--- a/apresentacao final/Projeto integrador (Atualizado).pptx
+++ b/apresentacao final/Projeto integrador (Atualizado).pptx
@@ -134,6 +134,576 @@
 </p:presentation>
 </file>
 
+<file path=ppt/changesInfos/changesInfo1.xml><?xml version="1.0" encoding="utf-8"?>
+<pc:chgInfo xmlns:a="http://schemas.openxmlformats.org/drawingml/2006/main" xmlns:r="http://schemas.openxmlformats.org/officeDocument/2006/relationships" xmlns:ac="http://schemas.microsoft.com/office/drawing/2013/main/command" xmlns:pc="http://schemas.microsoft.com/office/powerpoint/2013/main/command">
+  <pc:docChgLst>
+    <pc:chgData name="Napoleão Barbosa da Cunha Junior" userId="f498d9c2-eb49-4a49-837f-5ef921a5953b" providerId="ADAL" clId="{7D570883-C56E-46AF-91E8-29838270747E}"/>
+    <pc:docChg chg="custSel modSld modMainMaster">
+      <pc:chgData name="Napoleão Barbosa da Cunha Junior" userId="f498d9c2-eb49-4a49-837f-5ef921a5953b" providerId="ADAL" clId="{7D570883-C56E-46AF-91E8-29838270747E}" dt="2025-07-01T14:20:53.879" v="316" actId="313"/>
+      <pc:docMkLst>
+        <pc:docMk/>
+      </pc:docMkLst>
+      <pc:sldChg chg="addSp modSp setBg">
+        <pc:chgData name="Napoleão Barbosa da Cunha Junior" userId="f498d9c2-eb49-4a49-837f-5ef921a5953b" providerId="ADAL" clId="{7D570883-C56E-46AF-91E8-29838270747E}" dt="2025-07-01T14:02:04.841" v="227"/>
+        <pc:sldMkLst>
+          <pc:docMk/>
+          <pc:sldMk cId="3179219503" sldId="256"/>
+        </pc:sldMkLst>
+        <pc:spChg chg="mod">
+          <ac:chgData name="Napoleão Barbosa da Cunha Junior" userId="f498d9c2-eb49-4a49-837f-5ef921a5953b" providerId="ADAL" clId="{7D570883-C56E-46AF-91E8-29838270747E}" dt="2025-07-01T13:25:04.625" v="14" actId="1076"/>
+          <ac:spMkLst>
+            <pc:docMk/>
+            <pc:sldMk cId="3179219503" sldId="256"/>
+            <ac:spMk id="2" creationId="{9E18617E-EAEC-4B94-95B7-B12325B49B4C}"/>
+          </ac:spMkLst>
+        </pc:spChg>
+        <pc:spChg chg="add mod">
+          <ac:chgData name="Napoleão Barbosa da Cunha Junior" userId="f498d9c2-eb49-4a49-837f-5ef921a5953b" providerId="ADAL" clId="{7D570883-C56E-46AF-91E8-29838270747E}" dt="2025-07-01T13:25:27.232" v="16" actId="1076"/>
+          <ac:spMkLst>
+            <pc:docMk/>
+            <pc:sldMk cId="3179219503" sldId="256"/>
+            <ac:spMk id="3" creationId="{89ADFAEC-4311-492F-9EB5-1E3C29C6D3B3}"/>
+          </ac:spMkLst>
+        </pc:spChg>
+      </pc:sldChg>
+      <pc:sldChg chg="addSp modSp">
+        <pc:chgData name="Napoleão Barbosa da Cunha Junior" userId="f498d9c2-eb49-4a49-837f-5ef921a5953b" providerId="ADAL" clId="{7D570883-C56E-46AF-91E8-29838270747E}" dt="2025-07-01T13:30:23.453" v="33" actId="255"/>
+        <pc:sldMkLst>
+          <pc:docMk/>
+          <pc:sldMk cId="1878736525" sldId="257"/>
+        </pc:sldMkLst>
+        <pc:spChg chg="add mod">
+          <ac:chgData name="Napoleão Barbosa da Cunha Junior" userId="f498d9c2-eb49-4a49-837f-5ef921a5953b" providerId="ADAL" clId="{7D570883-C56E-46AF-91E8-29838270747E}" dt="2025-07-01T13:30:23.453" v="33" actId="255"/>
+          <ac:spMkLst>
+            <pc:docMk/>
+            <pc:sldMk cId="1878736525" sldId="257"/>
+            <ac:spMk id="3" creationId="{EAD1133E-CC76-4C7C-A621-532783D422A0}"/>
+          </ac:spMkLst>
+        </pc:spChg>
+        <pc:picChg chg="mod">
+          <ac:chgData name="Napoleão Barbosa da Cunha Junior" userId="f498d9c2-eb49-4a49-837f-5ef921a5953b" providerId="ADAL" clId="{7D570883-C56E-46AF-91E8-29838270747E}" dt="2025-07-01T13:29:34.786" v="29" actId="1076"/>
+          <ac:picMkLst>
+            <pc:docMk/>
+            <pc:sldMk cId="1878736525" sldId="257"/>
+            <ac:picMk id="4" creationId="{B622AD3C-E0F6-4D6C-85DF-744DCC81369C}"/>
+          </ac:picMkLst>
+        </pc:picChg>
+      </pc:sldChg>
+      <pc:sldChg chg="addSp modSp">
+        <pc:chgData name="Napoleão Barbosa da Cunha Junior" userId="f498d9c2-eb49-4a49-837f-5ef921a5953b" providerId="ADAL" clId="{7D570883-C56E-46AF-91E8-29838270747E}" dt="2025-07-01T13:31:36.036" v="39" actId="255"/>
+        <pc:sldMkLst>
+          <pc:docMk/>
+          <pc:sldMk cId="2961579183" sldId="258"/>
+        </pc:sldMkLst>
+        <pc:spChg chg="add mod">
+          <ac:chgData name="Napoleão Barbosa da Cunha Junior" userId="f498d9c2-eb49-4a49-837f-5ef921a5953b" providerId="ADAL" clId="{7D570883-C56E-46AF-91E8-29838270747E}" dt="2025-07-01T13:31:36.036" v="39" actId="255"/>
+          <ac:spMkLst>
+            <pc:docMk/>
+            <pc:sldMk cId="2961579183" sldId="258"/>
+            <ac:spMk id="2" creationId="{FC504998-9868-436B-8F2D-7F2939C43086}"/>
+          </ac:spMkLst>
+        </pc:spChg>
+        <pc:picChg chg="mod">
+          <ac:chgData name="Napoleão Barbosa da Cunha Junior" userId="f498d9c2-eb49-4a49-837f-5ef921a5953b" providerId="ADAL" clId="{7D570883-C56E-46AF-91E8-29838270747E}" dt="2025-07-01T13:30:49.738" v="34" actId="1076"/>
+          <ac:picMkLst>
+            <pc:docMk/>
+            <pc:sldMk cId="2961579183" sldId="258"/>
+            <ac:picMk id="4" creationId="{B277BEC9-09D5-4C55-B03C-E0FCA4DC0619}"/>
+          </ac:picMkLst>
+        </pc:picChg>
+      </pc:sldChg>
+      <pc:sldChg chg="addSp modSp">
+        <pc:chgData name="Napoleão Barbosa da Cunha Junior" userId="f498d9c2-eb49-4a49-837f-5ef921a5953b" providerId="ADAL" clId="{7D570883-C56E-46AF-91E8-29838270747E}" dt="2025-07-01T13:53:30.502" v="123" actId="1076"/>
+        <pc:sldMkLst>
+          <pc:docMk/>
+          <pc:sldMk cId="59733386" sldId="259"/>
+        </pc:sldMkLst>
+        <pc:spChg chg="add mod">
+          <ac:chgData name="Napoleão Barbosa da Cunha Junior" userId="f498d9c2-eb49-4a49-837f-5ef921a5953b" providerId="ADAL" clId="{7D570883-C56E-46AF-91E8-29838270747E}" dt="2025-07-01T13:53:30.502" v="123" actId="1076"/>
+          <ac:spMkLst>
+            <pc:docMk/>
+            <pc:sldMk cId="59733386" sldId="259"/>
+            <ac:spMk id="3" creationId="{F4988E2D-7F19-4F4F-878C-4564EDE991A5}"/>
+          </ac:spMkLst>
+        </pc:spChg>
+        <pc:picChg chg="mod">
+          <ac:chgData name="Napoleão Barbosa da Cunha Junior" userId="f498d9c2-eb49-4a49-837f-5ef921a5953b" providerId="ADAL" clId="{7D570883-C56E-46AF-91E8-29838270747E}" dt="2025-07-01T13:52:36.856" v="117" actId="14100"/>
+          <ac:picMkLst>
+            <pc:docMk/>
+            <pc:sldMk cId="59733386" sldId="259"/>
+            <ac:picMk id="4" creationId="{F9EF90A7-1F11-407E-89EA-8C5EB434AD9F}"/>
+          </ac:picMkLst>
+        </pc:picChg>
+      </pc:sldChg>
+      <pc:sldChg chg="addSp modSp">
+        <pc:chgData name="Napoleão Barbosa da Cunha Junior" userId="f498d9c2-eb49-4a49-837f-5ef921a5953b" providerId="ADAL" clId="{7D570883-C56E-46AF-91E8-29838270747E}" dt="2025-07-01T13:55:16.763" v="132" actId="1076"/>
+        <pc:sldMkLst>
+          <pc:docMk/>
+          <pc:sldMk cId="3748483438" sldId="260"/>
+        </pc:sldMkLst>
+        <pc:spChg chg="add mod">
+          <ac:chgData name="Napoleão Barbosa da Cunha Junior" userId="f498d9c2-eb49-4a49-837f-5ef921a5953b" providerId="ADAL" clId="{7D570883-C56E-46AF-91E8-29838270747E}" dt="2025-07-01T13:55:16.763" v="132" actId="1076"/>
+          <ac:spMkLst>
+            <pc:docMk/>
+            <pc:sldMk cId="3748483438" sldId="260"/>
+            <ac:spMk id="3" creationId="{F90947A6-3E3E-4465-A9B6-C1A40FBD43EE}"/>
+          </ac:spMkLst>
+        </pc:spChg>
+        <pc:picChg chg="mod">
+          <ac:chgData name="Napoleão Barbosa da Cunha Junior" userId="f498d9c2-eb49-4a49-837f-5ef921a5953b" providerId="ADAL" clId="{7D570883-C56E-46AF-91E8-29838270747E}" dt="2025-07-01T13:54:06.002" v="124" actId="1076"/>
+          <ac:picMkLst>
+            <pc:docMk/>
+            <pc:sldMk cId="3748483438" sldId="260"/>
+            <ac:picMk id="4" creationId="{132636EC-38E0-4CBC-ABA6-E86188E838C2}"/>
+          </ac:picMkLst>
+        </pc:picChg>
+      </pc:sldChg>
+      <pc:sldChg chg="addSp modSp">
+        <pc:chgData name="Napoleão Barbosa da Cunha Junior" userId="f498d9c2-eb49-4a49-837f-5ef921a5953b" providerId="ADAL" clId="{7D570883-C56E-46AF-91E8-29838270747E}" dt="2025-07-01T13:58:03.523" v="139" actId="255"/>
+        <pc:sldMkLst>
+          <pc:docMk/>
+          <pc:sldMk cId="3759307204" sldId="261"/>
+        </pc:sldMkLst>
+        <pc:spChg chg="add mod">
+          <ac:chgData name="Napoleão Barbosa da Cunha Junior" userId="f498d9c2-eb49-4a49-837f-5ef921a5953b" providerId="ADAL" clId="{7D570883-C56E-46AF-91E8-29838270747E}" dt="2025-07-01T13:58:03.523" v="139" actId="255"/>
+          <ac:spMkLst>
+            <pc:docMk/>
+            <pc:sldMk cId="3759307204" sldId="261"/>
+            <ac:spMk id="3" creationId="{E6BCAC04-EF4D-42EE-9E0E-FD7056256D49}"/>
+          </ac:spMkLst>
+        </pc:spChg>
+        <pc:picChg chg="mod">
+          <ac:chgData name="Napoleão Barbosa da Cunha Junior" userId="f498d9c2-eb49-4a49-837f-5ef921a5953b" providerId="ADAL" clId="{7D570883-C56E-46AF-91E8-29838270747E}" dt="2025-07-01T13:56:15.041" v="135" actId="14100"/>
+          <ac:picMkLst>
+            <pc:docMk/>
+            <pc:sldMk cId="3759307204" sldId="261"/>
+            <ac:picMk id="4" creationId="{1989FB01-C732-4FF9-B468-FC7411FEDD45}"/>
+          </ac:picMkLst>
+        </pc:picChg>
+      </pc:sldChg>
+      <pc:sldChg chg="addSp modSp">
+        <pc:chgData name="Napoleão Barbosa da Cunha Junior" userId="f498d9c2-eb49-4a49-837f-5ef921a5953b" providerId="ADAL" clId="{7D570883-C56E-46AF-91E8-29838270747E}" dt="2025-07-01T13:27:04.758" v="23" actId="1076"/>
+        <pc:sldMkLst>
+          <pc:docMk/>
+          <pc:sldMk cId="3000973563" sldId="262"/>
+        </pc:sldMkLst>
+        <pc:spChg chg="add mod">
+          <ac:chgData name="Napoleão Barbosa da Cunha Junior" userId="f498d9c2-eb49-4a49-837f-5ef921a5953b" providerId="ADAL" clId="{7D570883-C56E-46AF-91E8-29838270747E}" dt="2025-07-01T13:26:41.796" v="22" actId="255"/>
+          <ac:spMkLst>
+            <pc:docMk/>
+            <pc:sldMk cId="3000973563" sldId="262"/>
+            <ac:spMk id="3" creationId="{6B25D86A-654A-42AA-AD92-054F20C381CF}"/>
+          </ac:spMkLst>
+        </pc:spChg>
+        <pc:picChg chg="mod">
+          <ac:chgData name="Napoleão Barbosa da Cunha Junior" userId="f498d9c2-eb49-4a49-837f-5ef921a5953b" providerId="ADAL" clId="{7D570883-C56E-46AF-91E8-29838270747E}" dt="2025-07-01T13:27:04.758" v="23" actId="1076"/>
+          <ac:picMkLst>
+            <pc:docMk/>
+            <pc:sldMk cId="3000973563" sldId="262"/>
+            <ac:picMk id="4" creationId="{2C0B6C72-EB65-4E23-AF53-F1D3F6ADE59D}"/>
+          </ac:picMkLst>
+        </pc:picChg>
+      </pc:sldChg>
+      <pc:sldChg chg="addSp delSp modSp">
+        <pc:chgData name="Napoleão Barbosa da Cunha Junior" userId="f498d9c2-eb49-4a49-837f-5ef921a5953b" providerId="ADAL" clId="{7D570883-C56E-46AF-91E8-29838270747E}" dt="2025-07-01T13:29:11.605" v="28" actId="255"/>
+        <pc:sldMkLst>
+          <pc:docMk/>
+          <pc:sldMk cId="2624076434" sldId="263"/>
+        </pc:sldMkLst>
+        <pc:spChg chg="add del mod">
+          <ac:chgData name="Napoleão Barbosa da Cunha Junior" userId="f498d9c2-eb49-4a49-837f-5ef921a5953b" providerId="ADAL" clId="{7D570883-C56E-46AF-91E8-29838270747E}" dt="2025-07-01T13:22:42.338" v="6" actId="478"/>
+          <ac:spMkLst>
+            <pc:docMk/>
+            <pc:sldMk cId="2624076434" sldId="263"/>
+            <ac:spMk id="3" creationId="{B0614D07-B7CF-4748-BD3B-EB02DDB6AE4F}"/>
+          </ac:spMkLst>
+        </pc:spChg>
+        <pc:spChg chg="add mod">
+          <ac:chgData name="Napoleão Barbosa da Cunha Junior" userId="f498d9c2-eb49-4a49-837f-5ef921a5953b" providerId="ADAL" clId="{7D570883-C56E-46AF-91E8-29838270747E}" dt="2025-07-01T13:29:11.605" v="28" actId="255"/>
+          <ac:spMkLst>
+            <pc:docMk/>
+            <pc:sldMk cId="2624076434" sldId="263"/>
+            <ac:spMk id="5" creationId="{20BCE2CC-F87F-4269-A0C6-6F9CA5D4FED1}"/>
+          </ac:spMkLst>
+        </pc:spChg>
+        <pc:picChg chg="mod">
+          <ac:chgData name="Napoleão Barbosa da Cunha Junior" userId="f498d9c2-eb49-4a49-837f-5ef921a5953b" providerId="ADAL" clId="{7D570883-C56E-46AF-91E8-29838270747E}" dt="2025-07-01T13:28:56.611" v="27" actId="1076"/>
+          <ac:picMkLst>
+            <pc:docMk/>
+            <pc:sldMk cId="2624076434" sldId="263"/>
+            <ac:picMk id="4" creationId="{8EF5871F-035F-463C-97B6-BE7552849C13}"/>
+          </ac:picMkLst>
+        </pc:picChg>
+      </pc:sldChg>
+      <pc:sldChg chg="addSp modSp">
+        <pc:chgData name="Napoleão Barbosa da Cunha Junior" userId="f498d9c2-eb49-4a49-837f-5ef921a5953b" providerId="ADAL" clId="{7D570883-C56E-46AF-91E8-29838270747E}" dt="2025-07-01T14:00:30.409" v="148" actId="1076"/>
+        <pc:sldMkLst>
+          <pc:docMk/>
+          <pc:sldMk cId="1680469550" sldId="264"/>
+        </pc:sldMkLst>
+        <pc:spChg chg="add mod">
+          <ac:chgData name="Napoleão Barbosa da Cunha Junior" userId="f498d9c2-eb49-4a49-837f-5ef921a5953b" providerId="ADAL" clId="{7D570883-C56E-46AF-91E8-29838270747E}" dt="2025-07-01T14:00:30.409" v="148" actId="1076"/>
+          <ac:spMkLst>
+            <pc:docMk/>
+            <pc:sldMk cId="1680469550" sldId="264"/>
+            <ac:spMk id="3" creationId="{ADB82B34-7D2F-4056-B560-29418C36F305}"/>
+          </ac:spMkLst>
+        </pc:spChg>
+        <pc:picChg chg="mod">
+          <ac:chgData name="Napoleão Barbosa da Cunha Junior" userId="f498d9c2-eb49-4a49-837f-5ef921a5953b" providerId="ADAL" clId="{7D570883-C56E-46AF-91E8-29838270747E}" dt="2025-07-01T13:59:02.374" v="141" actId="14100"/>
+          <ac:picMkLst>
+            <pc:docMk/>
+            <pc:sldMk cId="1680469550" sldId="264"/>
+            <ac:picMk id="4" creationId="{93153625-ADD2-46F8-9270-63CFB8ECBF48}"/>
+          </ac:picMkLst>
+        </pc:picChg>
+      </pc:sldChg>
+      <pc:sldChg chg="addSp modSp">
+        <pc:chgData name="Napoleão Barbosa da Cunha Junior" userId="f498d9c2-eb49-4a49-837f-5ef921a5953b" providerId="ADAL" clId="{7D570883-C56E-46AF-91E8-29838270747E}" dt="2025-07-01T13:51:37.901" v="113" actId="255"/>
+        <pc:sldMkLst>
+          <pc:docMk/>
+          <pc:sldMk cId="2556043304" sldId="265"/>
+        </pc:sldMkLst>
+        <pc:spChg chg="mod">
+          <ac:chgData name="Napoleão Barbosa da Cunha Junior" userId="f498d9c2-eb49-4a49-837f-5ef921a5953b" providerId="ADAL" clId="{7D570883-C56E-46AF-91E8-29838270747E}" dt="2025-07-01T13:39:22.954" v="41" actId="20577"/>
+          <ac:spMkLst>
+            <pc:docMk/>
+            <pc:sldMk cId="2556043304" sldId="265"/>
+            <ac:spMk id="2" creationId="{6B277A89-0700-4562-A8EC-89BC2B159629}"/>
+          </ac:spMkLst>
+        </pc:spChg>
+        <pc:spChg chg="add mod">
+          <ac:chgData name="Napoleão Barbosa da Cunha Junior" userId="f498d9c2-eb49-4a49-837f-5ef921a5953b" providerId="ADAL" clId="{7D570883-C56E-46AF-91E8-29838270747E}" dt="2025-07-01T13:51:37.901" v="113" actId="255"/>
+          <ac:spMkLst>
+            <pc:docMk/>
+            <pc:sldMk cId="2556043304" sldId="265"/>
+            <ac:spMk id="3" creationId="{CF7AEA84-2468-4852-A9EA-2FC363E84680}"/>
+          </ac:spMkLst>
+        </pc:spChg>
+        <pc:picChg chg="mod">
+          <ac:chgData name="Napoleão Barbosa da Cunha Junior" userId="f498d9c2-eb49-4a49-837f-5ef921a5953b" providerId="ADAL" clId="{7D570883-C56E-46AF-91E8-29838270747E}" dt="2025-07-01T13:51:07.398" v="109" actId="14100"/>
+          <ac:picMkLst>
+            <pc:docMk/>
+            <pc:sldMk cId="2556043304" sldId="265"/>
+            <ac:picMk id="4" creationId="{0BE8193F-CA9F-4780-8D5C-BCB2B4AE41C2}"/>
+          </ac:picMkLst>
+        </pc:picChg>
+      </pc:sldChg>
+      <pc:sldChg chg="addSp delSp modSp">
+        <pc:chgData name="Napoleão Barbosa da Cunha Junior" userId="f498d9c2-eb49-4a49-837f-5ef921a5953b" providerId="ADAL" clId="{7D570883-C56E-46AF-91E8-29838270747E}" dt="2025-07-01T14:20:53.879" v="316" actId="313"/>
+        <pc:sldMkLst>
+          <pc:docMk/>
+          <pc:sldMk cId="2754197221" sldId="270"/>
+        </pc:sldMkLst>
+        <pc:spChg chg="add del mod">
+          <ac:chgData name="Napoleão Barbosa da Cunha Junior" userId="f498d9c2-eb49-4a49-837f-5ef921a5953b" providerId="ADAL" clId="{7D570883-C56E-46AF-91E8-29838270747E}" dt="2025-07-01T14:18:54.257" v="311" actId="478"/>
+          <ac:spMkLst>
+            <pc:docMk/>
+            <pc:sldMk cId="2754197221" sldId="270"/>
+            <ac:spMk id="2" creationId="{2F4FA8BD-EA75-4AC8-8712-5900651DD537}"/>
+          </ac:spMkLst>
+        </pc:spChg>
+        <pc:spChg chg="add mod">
+          <ac:chgData name="Napoleão Barbosa da Cunha Junior" userId="f498d9c2-eb49-4a49-837f-5ef921a5953b" providerId="ADAL" clId="{7D570883-C56E-46AF-91E8-29838270747E}" dt="2025-07-01T14:20:53.879" v="316" actId="313"/>
+          <ac:spMkLst>
+            <pc:docMk/>
+            <pc:sldMk cId="2754197221" sldId="270"/>
+            <ac:spMk id="3" creationId="{B13BD4D1-0206-4246-8BFF-FD41C297D5F9}"/>
+          </ac:spMkLst>
+        </pc:spChg>
+        <pc:picChg chg="mod">
+          <ac:chgData name="Napoleão Barbosa da Cunha Junior" userId="f498d9c2-eb49-4a49-837f-5ef921a5953b" providerId="ADAL" clId="{7D570883-C56E-46AF-91E8-29838270747E}" dt="2025-07-01T14:18:20.667" v="306" actId="14100"/>
+          <ac:picMkLst>
+            <pc:docMk/>
+            <pc:sldMk cId="2754197221" sldId="270"/>
+            <ac:picMk id="4" creationId="{F85405BE-172C-436C-916C-020D253ACA11}"/>
+          </ac:picMkLst>
+        </pc:picChg>
+      </pc:sldChg>
+      <pc:sldChg chg="addSp modSp">
+        <pc:chgData name="Napoleão Barbosa da Cunha Junior" userId="f498d9c2-eb49-4a49-837f-5ef921a5953b" providerId="ADAL" clId="{7D570883-C56E-46AF-91E8-29838270747E}" dt="2025-07-01T14:05:19.611" v="236" actId="1076"/>
+        <pc:sldMkLst>
+          <pc:docMk/>
+          <pc:sldMk cId="3156760983" sldId="280"/>
+        </pc:sldMkLst>
+        <pc:spChg chg="add mod">
+          <ac:chgData name="Napoleão Barbosa da Cunha Junior" userId="f498d9c2-eb49-4a49-837f-5ef921a5953b" providerId="ADAL" clId="{7D570883-C56E-46AF-91E8-29838270747E}" dt="2025-07-01T14:05:19.611" v="236" actId="1076"/>
+          <ac:spMkLst>
+            <pc:docMk/>
+            <pc:sldMk cId="3156760983" sldId="280"/>
+            <ac:spMk id="3" creationId="{8D45D8E9-19AB-4167-BF01-217AC74F2A83}"/>
+          </ac:spMkLst>
+        </pc:spChg>
+        <pc:picChg chg="mod">
+          <ac:chgData name="Napoleão Barbosa da Cunha Junior" userId="f498d9c2-eb49-4a49-837f-5ef921a5953b" providerId="ADAL" clId="{7D570883-C56E-46AF-91E8-29838270747E}" dt="2025-07-01T14:04:13.842" v="229" actId="1076"/>
+          <ac:picMkLst>
+            <pc:docMk/>
+            <pc:sldMk cId="3156760983" sldId="280"/>
+            <ac:picMk id="4" creationId="{DB92EC97-E122-4650-A3DC-2F775F5F2490}"/>
+          </ac:picMkLst>
+        </pc:picChg>
+      </pc:sldChg>
+      <pc:sldChg chg="addSp modSp">
+        <pc:chgData name="Napoleão Barbosa da Cunha Junior" userId="f498d9c2-eb49-4a49-837f-5ef921a5953b" providerId="ADAL" clId="{7D570883-C56E-46AF-91E8-29838270747E}" dt="2025-07-01T14:08:48.900" v="256" actId="255"/>
+        <pc:sldMkLst>
+          <pc:docMk/>
+          <pc:sldMk cId="872395206" sldId="281"/>
+        </pc:sldMkLst>
+        <pc:spChg chg="add mod">
+          <ac:chgData name="Napoleão Barbosa da Cunha Junior" userId="f498d9c2-eb49-4a49-837f-5ef921a5953b" providerId="ADAL" clId="{7D570883-C56E-46AF-91E8-29838270747E}" dt="2025-07-01T14:08:48.900" v="256" actId="255"/>
+          <ac:spMkLst>
+            <pc:docMk/>
+            <pc:sldMk cId="872395206" sldId="281"/>
+            <ac:spMk id="3" creationId="{A801D27F-C50A-47EA-A1C8-215B5A33C54F}"/>
+          </ac:spMkLst>
+        </pc:spChg>
+        <pc:picChg chg="mod">
+          <ac:chgData name="Napoleão Barbosa da Cunha Junior" userId="f498d9c2-eb49-4a49-837f-5ef921a5953b" providerId="ADAL" clId="{7D570883-C56E-46AF-91E8-29838270747E}" dt="2025-07-01T14:08:05.720" v="249" actId="14100"/>
+          <ac:picMkLst>
+            <pc:docMk/>
+            <pc:sldMk cId="872395206" sldId="281"/>
+            <ac:picMk id="4" creationId="{7BBE9E7D-35BF-4139-B168-B94554D2B596}"/>
+          </ac:picMkLst>
+        </pc:picChg>
+      </pc:sldChg>
+      <pc:sldChg chg="addSp modSp">
+        <pc:chgData name="Napoleão Barbosa da Cunha Junior" userId="f498d9c2-eb49-4a49-837f-5ef921a5953b" providerId="ADAL" clId="{7D570883-C56E-46AF-91E8-29838270747E}" dt="2025-07-01T14:10:08.709" v="264" actId="255"/>
+        <pc:sldMkLst>
+          <pc:docMk/>
+          <pc:sldMk cId="1063311345" sldId="282"/>
+        </pc:sldMkLst>
+        <pc:spChg chg="add mod">
+          <ac:chgData name="Napoleão Barbosa da Cunha Junior" userId="f498d9c2-eb49-4a49-837f-5ef921a5953b" providerId="ADAL" clId="{7D570883-C56E-46AF-91E8-29838270747E}" dt="2025-07-01T14:10:08.709" v="264" actId="255"/>
+          <ac:spMkLst>
+            <pc:docMk/>
+            <pc:sldMk cId="1063311345" sldId="282"/>
+            <ac:spMk id="3" creationId="{53D7C0EB-88B6-4B18-9504-B48285751E82}"/>
+          </ac:spMkLst>
+        </pc:spChg>
+        <pc:picChg chg="mod">
+          <ac:chgData name="Napoleão Barbosa da Cunha Junior" userId="f498d9c2-eb49-4a49-837f-5ef921a5953b" providerId="ADAL" clId="{7D570883-C56E-46AF-91E8-29838270747E}" dt="2025-07-01T14:09:32.267" v="259" actId="14100"/>
+          <ac:picMkLst>
+            <pc:docMk/>
+            <pc:sldMk cId="1063311345" sldId="282"/>
+            <ac:picMk id="4" creationId="{D954398E-D2A5-4C63-8E26-52E95E2F4D27}"/>
+          </ac:picMkLst>
+        </pc:picChg>
+      </pc:sldChg>
+      <pc:sldChg chg="addSp modSp">
+        <pc:chgData name="Napoleão Barbosa da Cunha Junior" userId="f498d9c2-eb49-4a49-837f-5ef921a5953b" providerId="ADAL" clId="{7D570883-C56E-46AF-91E8-29838270747E}" dt="2025-07-01T14:11:55.388" v="274" actId="255"/>
+        <pc:sldMkLst>
+          <pc:docMk/>
+          <pc:sldMk cId="1246199254" sldId="283"/>
+        </pc:sldMkLst>
+        <pc:spChg chg="add mod">
+          <ac:chgData name="Napoleão Barbosa da Cunha Junior" userId="f498d9c2-eb49-4a49-837f-5ef921a5953b" providerId="ADAL" clId="{7D570883-C56E-46AF-91E8-29838270747E}" dt="2025-07-01T14:11:55.388" v="274" actId="255"/>
+          <ac:spMkLst>
+            <pc:docMk/>
+            <pc:sldMk cId="1246199254" sldId="283"/>
+            <ac:spMk id="3" creationId="{B53F329B-D91F-47EB-B2AB-D8568EA0D217}"/>
+          </ac:spMkLst>
+        </pc:spChg>
+        <pc:picChg chg="mod">
+          <ac:chgData name="Napoleão Barbosa da Cunha Junior" userId="f498d9c2-eb49-4a49-837f-5ef921a5953b" providerId="ADAL" clId="{7D570883-C56E-46AF-91E8-29838270747E}" dt="2025-07-01T14:11:00.704" v="267" actId="14100"/>
+          <ac:picMkLst>
+            <pc:docMk/>
+            <pc:sldMk cId="1246199254" sldId="283"/>
+            <ac:picMk id="4" creationId="{DD298653-3519-4227-8924-2E2B86CF8DC7}"/>
+          </ac:picMkLst>
+        </pc:picChg>
+      </pc:sldChg>
+      <pc:sldChg chg="addSp modSp">
+        <pc:chgData name="Napoleão Barbosa da Cunha Junior" userId="f498d9c2-eb49-4a49-837f-5ef921a5953b" providerId="ADAL" clId="{7D570883-C56E-46AF-91E8-29838270747E}" dt="2025-07-01T14:15:05.071" v="294" actId="255"/>
+        <pc:sldMkLst>
+          <pc:docMk/>
+          <pc:sldMk cId="3145410859" sldId="284"/>
+        </pc:sldMkLst>
+        <pc:spChg chg="add mod">
+          <ac:chgData name="Napoleão Barbosa da Cunha Junior" userId="f498d9c2-eb49-4a49-837f-5ef921a5953b" providerId="ADAL" clId="{7D570883-C56E-46AF-91E8-29838270747E}" dt="2025-07-01T14:15:05.071" v="294" actId="255"/>
+          <ac:spMkLst>
+            <pc:docMk/>
+            <pc:sldMk cId="3145410859" sldId="284"/>
+            <ac:spMk id="3" creationId="{79258280-EE47-4FB8-A869-51FDE098101B}"/>
+          </ac:spMkLst>
+        </pc:spChg>
+        <pc:picChg chg="mod">
+          <ac:chgData name="Napoleão Barbosa da Cunha Junior" userId="f498d9c2-eb49-4a49-837f-5ef921a5953b" providerId="ADAL" clId="{7D570883-C56E-46AF-91E8-29838270747E}" dt="2025-07-01T14:14:07.766" v="288" actId="14100"/>
+          <ac:picMkLst>
+            <pc:docMk/>
+            <pc:sldMk cId="3145410859" sldId="284"/>
+            <ac:picMk id="4" creationId="{4ED84216-DA1A-4F93-85F0-D632C2006489}"/>
+          </ac:picMkLst>
+        </pc:picChg>
+      </pc:sldChg>
+      <pc:sldChg chg="addSp modSp">
+        <pc:chgData name="Napoleão Barbosa da Cunha Junior" userId="f498d9c2-eb49-4a49-837f-5ef921a5953b" providerId="ADAL" clId="{7D570883-C56E-46AF-91E8-29838270747E}" dt="2025-07-01T14:16:19.219" v="304" actId="255"/>
+        <pc:sldMkLst>
+          <pc:docMk/>
+          <pc:sldMk cId="3372942634" sldId="285"/>
+        </pc:sldMkLst>
+        <pc:spChg chg="add mod">
+          <ac:chgData name="Napoleão Barbosa da Cunha Junior" userId="f498d9c2-eb49-4a49-837f-5ef921a5953b" providerId="ADAL" clId="{7D570883-C56E-46AF-91E8-29838270747E}" dt="2025-07-01T14:16:19.219" v="304" actId="255"/>
+          <ac:spMkLst>
+            <pc:docMk/>
+            <pc:sldMk cId="3372942634" sldId="285"/>
+            <ac:spMk id="3" creationId="{2F946CC0-F09B-487B-AC60-24B9ACBF6383}"/>
+          </ac:spMkLst>
+        </pc:spChg>
+        <pc:picChg chg="mod">
+          <ac:chgData name="Napoleão Barbosa da Cunha Junior" userId="f498d9c2-eb49-4a49-837f-5ef921a5953b" providerId="ADAL" clId="{7D570883-C56E-46AF-91E8-29838270747E}" dt="2025-07-01T14:15:47.032" v="298" actId="14100"/>
+          <ac:picMkLst>
+            <pc:docMk/>
+            <pc:sldMk cId="3372942634" sldId="285"/>
+            <ac:picMk id="4" creationId="{3A757CEA-E5B5-4932-AAE1-D47C1BF040B6}"/>
+          </ac:picMkLst>
+        </pc:picChg>
+      </pc:sldChg>
+      <pc:sldChg chg="addSp modSp">
+        <pc:chgData name="Napoleão Barbosa da Cunha Junior" userId="f498d9c2-eb49-4a49-837f-5ef921a5953b" providerId="ADAL" clId="{7D570883-C56E-46AF-91E8-29838270747E}" dt="2025-07-01T14:13:26.868" v="284" actId="255"/>
+        <pc:sldMkLst>
+          <pc:docMk/>
+          <pc:sldMk cId="1358484054" sldId="286"/>
+        </pc:sldMkLst>
+        <pc:spChg chg="add mod">
+          <ac:chgData name="Napoleão Barbosa da Cunha Junior" userId="f498d9c2-eb49-4a49-837f-5ef921a5953b" providerId="ADAL" clId="{7D570883-C56E-46AF-91E8-29838270747E}" dt="2025-07-01T14:13:26.868" v="284" actId="255"/>
+          <ac:spMkLst>
+            <pc:docMk/>
+            <pc:sldMk cId="1358484054" sldId="286"/>
+            <ac:spMk id="3" creationId="{6E963983-F616-48FB-8F83-05176CB57278}"/>
+          </ac:spMkLst>
+        </pc:spChg>
+        <pc:picChg chg="mod">
+          <ac:chgData name="Napoleão Barbosa da Cunha Junior" userId="f498d9c2-eb49-4a49-837f-5ef921a5953b" providerId="ADAL" clId="{7D570883-C56E-46AF-91E8-29838270747E}" dt="2025-07-01T14:12:46.735" v="276" actId="14100"/>
+          <ac:picMkLst>
+            <pc:docMk/>
+            <pc:sldMk cId="1358484054" sldId="286"/>
+            <ac:picMk id="4" creationId="{EBC3EF8B-38CF-4ED8-8E46-E47723E80DF6}"/>
+          </ac:picMkLst>
+        </pc:picChg>
+      </pc:sldChg>
+      <pc:sldChg chg="addSp modSp">
+        <pc:chgData name="Napoleão Barbosa da Cunha Junior" userId="f498d9c2-eb49-4a49-837f-5ef921a5953b" providerId="ADAL" clId="{7D570883-C56E-46AF-91E8-29838270747E}" dt="2025-07-01T14:07:01.596" v="246" actId="1076"/>
+        <pc:sldMkLst>
+          <pc:docMk/>
+          <pc:sldMk cId="2365128317" sldId="287"/>
+        </pc:sldMkLst>
+        <pc:spChg chg="add mod">
+          <ac:chgData name="Napoleão Barbosa da Cunha Junior" userId="f498d9c2-eb49-4a49-837f-5ef921a5953b" providerId="ADAL" clId="{7D570883-C56E-46AF-91E8-29838270747E}" dt="2025-07-01T14:07:01.596" v="246" actId="1076"/>
+          <ac:spMkLst>
+            <pc:docMk/>
+            <pc:sldMk cId="2365128317" sldId="287"/>
+            <ac:spMk id="3" creationId="{82CF0F26-59D0-417A-8D1C-A935CD02CC68}"/>
+          </ac:spMkLst>
+        </pc:spChg>
+        <pc:picChg chg="mod">
+          <ac:chgData name="Napoleão Barbosa da Cunha Junior" userId="f498d9c2-eb49-4a49-837f-5ef921a5953b" providerId="ADAL" clId="{7D570883-C56E-46AF-91E8-29838270747E}" dt="2025-07-01T14:06:50.491" v="245" actId="1076"/>
+          <ac:picMkLst>
+            <pc:docMk/>
+            <pc:sldMk cId="2365128317" sldId="287"/>
+            <ac:picMk id="4" creationId="{B716CDF9-0340-4FC4-9E12-F952E8CD6E7D}"/>
+          </ac:picMkLst>
+        </pc:picChg>
+      </pc:sldChg>
+      <pc:sldMasterChg chg="setBg modSldLayout">
+        <pc:chgData name="Napoleão Barbosa da Cunha Junior" userId="f498d9c2-eb49-4a49-837f-5ef921a5953b" providerId="ADAL" clId="{7D570883-C56E-46AF-91E8-29838270747E}" dt="2025-07-01T14:02:04.841" v="227"/>
+        <pc:sldMasterMkLst>
+          <pc:docMk/>
+          <pc:sldMasterMk cId="1858538047" sldId="2147483648"/>
+        </pc:sldMasterMkLst>
+        <pc:sldLayoutChg chg="setBg">
+          <pc:chgData name="Napoleão Barbosa da Cunha Junior" userId="f498d9c2-eb49-4a49-837f-5ef921a5953b" providerId="ADAL" clId="{7D570883-C56E-46AF-91E8-29838270747E}" dt="2025-07-01T14:02:04.841" v="227"/>
+          <pc:sldLayoutMkLst>
+            <pc:docMk/>
+            <pc:sldMasterMk cId="1858538047" sldId="2147483648"/>
+            <pc:sldLayoutMk cId="948729485" sldId="2147483649"/>
+          </pc:sldLayoutMkLst>
+        </pc:sldLayoutChg>
+        <pc:sldLayoutChg chg="setBg">
+          <pc:chgData name="Napoleão Barbosa da Cunha Junior" userId="f498d9c2-eb49-4a49-837f-5ef921a5953b" providerId="ADAL" clId="{7D570883-C56E-46AF-91E8-29838270747E}" dt="2025-07-01T14:02:04.841" v="227"/>
+          <pc:sldLayoutMkLst>
+            <pc:docMk/>
+            <pc:sldMasterMk cId="1858538047" sldId="2147483648"/>
+            <pc:sldLayoutMk cId="1546860876" sldId="2147483650"/>
+          </pc:sldLayoutMkLst>
+        </pc:sldLayoutChg>
+        <pc:sldLayoutChg chg="setBg">
+          <pc:chgData name="Napoleão Barbosa da Cunha Junior" userId="f498d9c2-eb49-4a49-837f-5ef921a5953b" providerId="ADAL" clId="{7D570883-C56E-46AF-91E8-29838270747E}" dt="2025-07-01T14:02:04.841" v="227"/>
+          <pc:sldLayoutMkLst>
+            <pc:docMk/>
+            <pc:sldMasterMk cId="1858538047" sldId="2147483648"/>
+            <pc:sldLayoutMk cId="463474339" sldId="2147483651"/>
+          </pc:sldLayoutMkLst>
+        </pc:sldLayoutChg>
+        <pc:sldLayoutChg chg="setBg">
+          <pc:chgData name="Napoleão Barbosa da Cunha Junior" userId="f498d9c2-eb49-4a49-837f-5ef921a5953b" providerId="ADAL" clId="{7D570883-C56E-46AF-91E8-29838270747E}" dt="2025-07-01T14:02:04.841" v="227"/>
+          <pc:sldLayoutMkLst>
+            <pc:docMk/>
+            <pc:sldMasterMk cId="1858538047" sldId="2147483648"/>
+            <pc:sldLayoutMk cId="955863238" sldId="2147483652"/>
+          </pc:sldLayoutMkLst>
+        </pc:sldLayoutChg>
+        <pc:sldLayoutChg chg="setBg">
+          <pc:chgData name="Napoleão Barbosa da Cunha Junior" userId="f498d9c2-eb49-4a49-837f-5ef921a5953b" providerId="ADAL" clId="{7D570883-C56E-46AF-91E8-29838270747E}" dt="2025-07-01T14:02:04.841" v="227"/>
+          <pc:sldLayoutMkLst>
+            <pc:docMk/>
+            <pc:sldMasterMk cId="1858538047" sldId="2147483648"/>
+            <pc:sldLayoutMk cId="3888529616" sldId="2147483653"/>
+          </pc:sldLayoutMkLst>
+        </pc:sldLayoutChg>
+        <pc:sldLayoutChg chg="setBg">
+          <pc:chgData name="Napoleão Barbosa da Cunha Junior" userId="f498d9c2-eb49-4a49-837f-5ef921a5953b" providerId="ADAL" clId="{7D570883-C56E-46AF-91E8-29838270747E}" dt="2025-07-01T14:02:04.841" v="227"/>
+          <pc:sldLayoutMkLst>
+            <pc:docMk/>
+            <pc:sldMasterMk cId="1858538047" sldId="2147483648"/>
+            <pc:sldLayoutMk cId="2614427077" sldId="2147483654"/>
+          </pc:sldLayoutMkLst>
+        </pc:sldLayoutChg>
+        <pc:sldLayoutChg chg="setBg">
+          <pc:chgData name="Napoleão Barbosa da Cunha Junior" userId="f498d9c2-eb49-4a49-837f-5ef921a5953b" providerId="ADAL" clId="{7D570883-C56E-46AF-91E8-29838270747E}" dt="2025-07-01T14:02:04.841" v="227"/>
+          <pc:sldLayoutMkLst>
+            <pc:docMk/>
+            <pc:sldMasterMk cId="1858538047" sldId="2147483648"/>
+            <pc:sldLayoutMk cId="2342821959" sldId="2147483655"/>
+          </pc:sldLayoutMkLst>
+        </pc:sldLayoutChg>
+        <pc:sldLayoutChg chg="setBg">
+          <pc:chgData name="Napoleão Barbosa da Cunha Junior" userId="f498d9c2-eb49-4a49-837f-5ef921a5953b" providerId="ADAL" clId="{7D570883-C56E-46AF-91E8-29838270747E}" dt="2025-07-01T14:02:04.841" v="227"/>
+          <pc:sldLayoutMkLst>
+            <pc:docMk/>
+            <pc:sldMasterMk cId="1858538047" sldId="2147483648"/>
+            <pc:sldLayoutMk cId="2651209510" sldId="2147483656"/>
+          </pc:sldLayoutMkLst>
+        </pc:sldLayoutChg>
+        <pc:sldLayoutChg chg="setBg">
+          <pc:chgData name="Napoleão Barbosa da Cunha Junior" userId="f498d9c2-eb49-4a49-837f-5ef921a5953b" providerId="ADAL" clId="{7D570883-C56E-46AF-91E8-29838270747E}" dt="2025-07-01T14:02:04.841" v="227"/>
+          <pc:sldLayoutMkLst>
+            <pc:docMk/>
+            <pc:sldMasterMk cId="1858538047" sldId="2147483648"/>
+            <pc:sldLayoutMk cId="3709277076" sldId="2147483657"/>
+          </pc:sldLayoutMkLst>
+        </pc:sldLayoutChg>
+        <pc:sldLayoutChg chg="setBg">
+          <pc:chgData name="Napoleão Barbosa da Cunha Junior" userId="f498d9c2-eb49-4a49-837f-5ef921a5953b" providerId="ADAL" clId="{7D570883-C56E-46AF-91E8-29838270747E}" dt="2025-07-01T14:02:04.841" v="227"/>
+          <pc:sldLayoutMkLst>
+            <pc:docMk/>
+            <pc:sldMasterMk cId="1858538047" sldId="2147483648"/>
+            <pc:sldLayoutMk cId="4290767936" sldId="2147483658"/>
+          </pc:sldLayoutMkLst>
+        </pc:sldLayoutChg>
+        <pc:sldLayoutChg chg="setBg">
+          <pc:chgData name="Napoleão Barbosa da Cunha Junior" userId="f498d9c2-eb49-4a49-837f-5ef921a5953b" providerId="ADAL" clId="{7D570883-C56E-46AF-91E8-29838270747E}" dt="2025-07-01T14:02:04.841" v="227"/>
+          <pc:sldLayoutMkLst>
+            <pc:docMk/>
+            <pc:sldMasterMk cId="1858538047" sldId="2147483648"/>
+            <pc:sldLayoutMk cId="1548099567" sldId="2147483659"/>
+          </pc:sldLayoutMkLst>
+        </pc:sldLayoutChg>
+      </pc:sldMasterChg>
+    </pc:docChg>
+  </pc:docChgLst>
+</pc:chgInfo>
+</file>
+
 <file path=ppt/slideLayouts/slideLayout1.xml><?xml version="1.0" encoding="utf-8"?>
 <p:sldLayout xmlns:a="http://schemas.openxmlformats.org/drawingml/2006/main" xmlns:r="http://schemas.openxmlformats.org/officeDocument/2006/relationships" xmlns:p="http://schemas.openxmlformats.org/presentationml/2006/main" type="title" preserve="1">
   <p:cSld name="Slide de Título">
@@ -281,7 +851,7 @@
           <a:p>
             <a:fld id="{CEE9DCFB-8ABC-400B-84FB-D7EFB44E439B}" type="datetimeFigureOut">
               <a:rPr lang="pt-BR" smtClean="0"/>
-              <a:t>30/06/2025</a:t>
+              <a:t>01/07/2025</a:t>
             </a:fld>
             <a:endParaRPr lang="pt-BR"/>
           </a:p>
@@ -479,7 +1049,7 @@
           <a:p>
             <a:fld id="{CEE9DCFB-8ABC-400B-84FB-D7EFB44E439B}" type="datetimeFigureOut">
               <a:rPr lang="pt-BR" smtClean="0"/>
-              <a:t>30/06/2025</a:t>
+              <a:t>01/07/2025</a:t>
             </a:fld>
             <a:endParaRPr lang="pt-BR"/>
           </a:p>
@@ -687,7 +1257,7 @@
           <a:p>
             <a:fld id="{CEE9DCFB-8ABC-400B-84FB-D7EFB44E439B}" type="datetimeFigureOut">
               <a:rPr lang="pt-BR" smtClean="0"/>
-              <a:t>30/06/2025</a:t>
+              <a:t>01/07/2025</a:t>
             </a:fld>
             <a:endParaRPr lang="pt-BR"/>
           </a:p>
@@ -885,7 +1455,7 @@
           <a:p>
             <a:fld id="{CEE9DCFB-8ABC-400B-84FB-D7EFB44E439B}" type="datetimeFigureOut">
               <a:rPr lang="pt-BR" smtClean="0"/>
-              <a:t>30/06/2025</a:t>
+              <a:t>01/07/2025</a:t>
             </a:fld>
             <a:endParaRPr lang="pt-BR"/>
           </a:p>
@@ -1160,7 +1730,7 @@
           <a:p>
             <a:fld id="{CEE9DCFB-8ABC-400B-84FB-D7EFB44E439B}" type="datetimeFigureOut">
               <a:rPr lang="pt-BR" smtClean="0"/>
-              <a:t>30/06/2025</a:t>
+              <a:t>01/07/2025</a:t>
             </a:fld>
             <a:endParaRPr lang="pt-BR"/>
           </a:p>
@@ -1425,7 +1995,7 @@
           <a:p>
             <a:fld id="{CEE9DCFB-8ABC-400B-84FB-D7EFB44E439B}" type="datetimeFigureOut">
               <a:rPr lang="pt-BR" smtClean="0"/>
-              <a:t>30/06/2025</a:t>
+              <a:t>01/07/2025</a:t>
             </a:fld>
             <a:endParaRPr lang="pt-BR"/>
           </a:p>
@@ -1837,7 +2407,7 @@
           <a:p>
             <a:fld id="{CEE9DCFB-8ABC-400B-84FB-D7EFB44E439B}" type="datetimeFigureOut">
               <a:rPr lang="pt-BR" smtClean="0"/>
-              <a:t>30/06/2025</a:t>
+              <a:t>01/07/2025</a:t>
             </a:fld>
             <a:endParaRPr lang="pt-BR"/>
           </a:p>
@@ -1978,7 +2548,7 @@
           <a:p>
             <a:fld id="{CEE9DCFB-8ABC-400B-84FB-D7EFB44E439B}" type="datetimeFigureOut">
               <a:rPr lang="pt-BR" smtClean="0"/>
-              <a:t>30/06/2025</a:t>
+              <a:t>01/07/2025</a:t>
             </a:fld>
             <a:endParaRPr lang="pt-BR"/>
           </a:p>
@@ -2091,7 +2661,7 @@
           <a:p>
             <a:fld id="{CEE9DCFB-8ABC-400B-84FB-D7EFB44E439B}" type="datetimeFigureOut">
               <a:rPr lang="pt-BR" smtClean="0"/>
-              <a:t>30/06/2025</a:t>
+              <a:t>01/07/2025</a:t>
             </a:fld>
             <a:endParaRPr lang="pt-BR"/>
           </a:p>
@@ -2402,7 +2972,7 @@
           <a:p>
             <a:fld id="{CEE9DCFB-8ABC-400B-84FB-D7EFB44E439B}" type="datetimeFigureOut">
               <a:rPr lang="pt-BR" smtClean="0"/>
-              <a:t>30/06/2025</a:t>
+              <a:t>01/07/2025</a:t>
             </a:fld>
             <a:endParaRPr lang="pt-BR"/>
           </a:p>
@@ -2690,7 +3260,7 @@
           <a:p>
             <a:fld id="{CEE9DCFB-8ABC-400B-84FB-D7EFB44E439B}" type="datetimeFigureOut">
               <a:rPr lang="pt-BR" smtClean="0"/>
-              <a:t>30/06/2025</a:t>
+              <a:t>01/07/2025</a:t>
             </a:fld>
             <a:endParaRPr lang="pt-BR"/>
           </a:p>
@@ -2767,9 +3337,34 @@
 <p:sldMaster xmlns:a="http://schemas.openxmlformats.org/drawingml/2006/main" xmlns:r="http://schemas.openxmlformats.org/officeDocument/2006/relationships" xmlns:p="http://schemas.openxmlformats.org/presentationml/2006/main">
   <p:cSld>
     <p:bg>
-      <p:bgRef idx="1001">
-        <a:schemeClr val="bg1"/>
-      </p:bgRef>
+      <p:bgPr>
+        <a:gradFill flip="none" rotWithShape="1">
+          <a:gsLst>
+            <a:gs pos="0">
+              <a:schemeClr val="accent3">
+                <a:lumMod val="0"/>
+                <a:lumOff val="100000"/>
+              </a:schemeClr>
+            </a:gs>
+            <a:gs pos="35000">
+              <a:schemeClr val="accent3">
+                <a:lumMod val="0"/>
+                <a:lumOff val="100000"/>
+              </a:schemeClr>
+            </a:gs>
+            <a:gs pos="100000">
+              <a:schemeClr val="accent3">
+                <a:lumMod val="100000"/>
+              </a:schemeClr>
+            </a:gs>
+          </a:gsLst>
+          <a:path path="circle">
+            <a:fillToRect l="50000" t="-80000" r="50000" b="180000"/>
+          </a:path>
+          <a:tileRect/>
+        </a:gradFill>
+        <a:effectLst/>
+      </p:bgPr>
     </p:bg>
     <p:spTree>
       <p:nvGrpSpPr>
@@ -2931,7 +3526,7 @@
           <a:p>
             <a:fld id="{CEE9DCFB-8ABC-400B-84FB-D7EFB44E439B}" type="datetimeFigureOut">
               <a:rPr lang="pt-BR" smtClean="0"/>
-              <a:t>30/06/2025</a:t>
+              <a:t>01/07/2025</a:t>
             </a:fld>
             <a:endParaRPr lang="pt-BR"/>
           </a:p>
@@ -3366,7 +3961,7 @@
         </p:nvSpPr>
         <p:spPr>
           <a:xfrm>
-            <a:off x="1524000" y="2477770"/>
+            <a:off x="1346201" y="166371"/>
             <a:ext cx="9144000" cy="1536700"/>
           </a:xfrm>
         </p:spPr>
@@ -3377,6 +3972,64 @@
             <a:r>
               <a:rPr lang="pt-BR" sz="9600" b="1" dirty="0"/>
               <a:t>Projeto Integrador</a:t>
+            </a:r>
+          </a:p>
+        </p:txBody>
+      </p:sp>
+      <p:sp>
+        <p:nvSpPr>
+          <p:cNvPr id="3" name="Retângulo 2">
+            <a:extLst>
+              <a:ext uri="{FF2B5EF4-FFF2-40B4-BE49-F238E27FC236}">
+                <a16:creationId xmlns:a16="http://schemas.microsoft.com/office/drawing/2014/main" id="{89ADFAEC-4311-492F-9EB5-1E3C29C6D3B3}"/>
+              </a:ext>
+            </a:extLst>
+          </p:cNvPr>
+          <p:cNvSpPr/>
+          <p:nvPr/>
+        </p:nvSpPr>
+        <p:spPr>
+          <a:xfrm>
+            <a:off x="2658534" y="2026602"/>
+            <a:ext cx="7586133" cy="3970318"/>
+          </a:xfrm>
+          <a:prstGeom prst="rect">
+            <a:avLst/>
+          </a:prstGeom>
+        </p:spPr>
+        <p:txBody>
+          <a:bodyPr wrap="square">
+            <a:spAutoFit/>
+          </a:bodyPr>
+          <a:lstStyle/>
+          <a:p>
+            <a:r>
+              <a:rPr lang="pt-BR" sz="3600" dirty="0"/>
+              <a:t>Projeto acadêmico do Senac-DF.</a:t>
+            </a:r>
+          </a:p>
+          <a:p>
+            <a:r>
+              <a:rPr lang="pt-BR" sz="3600" dirty="0"/>
+              <a:t>Desenvolvido por alunos com orientação docente.</a:t>
+            </a:r>
+          </a:p>
+          <a:p>
+            <a:r>
+              <a:rPr lang="pt-BR" sz="3600" dirty="0"/>
+              <a:t>Foco em inovação e impacto social.</a:t>
+            </a:r>
+          </a:p>
+          <a:p>
+            <a:r>
+              <a:rPr lang="pt-BR" sz="3600" dirty="0"/>
+              <a:t>Apresenta uma solução para mobilidade urbana.</a:t>
+            </a:r>
+          </a:p>
+          <a:p>
+            <a:r>
+              <a:rPr lang="pt-BR" sz="3600" dirty="0"/>
+              <a:t>Integra tecnologia e sustentabilidade.</a:t>
             </a:r>
           </a:p>
         </p:txBody>
@@ -3445,7 +4098,7 @@
             </a:r>
             <a:r>
               <a:rPr lang="pt-BR" sz="9600" dirty="0"/>
-              <a:t>e Cadastro</a:t>
+              <a:t>é Cadastro</a:t>
             </a:r>
           </a:p>
         </p:txBody>
@@ -3474,14 +4127,72 @@
         </p:blipFill>
         <p:spPr>
           <a:xfrm>
-            <a:off x="2491740" y="1674646"/>
-            <a:ext cx="7823334" cy="5008842"/>
+            <a:off x="4355432" y="1307431"/>
+            <a:ext cx="7732294" cy="5494421"/>
           </a:xfrm>
           <a:prstGeom prst="rect">
             <a:avLst/>
           </a:prstGeom>
         </p:spPr>
       </p:pic>
+      <p:sp>
+        <p:nvSpPr>
+          <p:cNvPr id="3" name="Retângulo 2">
+            <a:extLst>
+              <a:ext uri="{FF2B5EF4-FFF2-40B4-BE49-F238E27FC236}">
+                <a16:creationId xmlns:a16="http://schemas.microsoft.com/office/drawing/2014/main" id="{CF7AEA84-2468-4852-A9EA-2FC363E84680}"/>
+              </a:ext>
+            </a:extLst>
+          </p:cNvPr>
+          <p:cNvSpPr/>
+          <p:nvPr/>
+        </p:nvSpPr>
+        <p:spPr>
+          <a:xfrm>
+            <a:off x="104273" y="1431030"/>
+            <a:ext cx="4251159" cy="5016758"/>
+          </a:xfrm>
+          <a:prstGeom prst="rect">
+            <a:avLst/>
+          </a:prstGeom>
+        </p:spPr>
+        <p:txBody>
+          <a:bodyPr wrap="square">
+            <a:spAutoFit/>
+          </a:bodyPr>
+          <a:lstStyle/>
+          <a:p>
+            <a:r>
+              <a:rPr lang="pt-BR" sz="3200" dirty="0"/>
+              <a:t>Coleta inicial de informações básicas.</a:t>
+            </a:r>
+          </a:p>
+          <a:p>
+            <a:r>
+              <a:rPr lang="pt-BR" sz="3200" dirty="0"/>
+              <a:t>Etapa anterior ao cadastro completo.</a:t>
+            </a:r>
+          </a:p>
+          <a:p>
+            <a:r>
+              <a:rPr lang="pt-BR" sz="3200" dirty="0"/>
+              <a:t>Agiliza o processo de registro.</a:t>
+            </a:r>
+          </a:p>
+          <a:p>
+            <a:r>
+              <a:rPr lang="pt-BR" sz="3200" dirty="0"/>
+              <a:t>Permite triagem de interessados.</a:t>
+            </a:r>
+          </a:p>
+          <a:p>
+            <a:r>
+              <a:rPr lang="pt-BR" sz="3200" dirty="0"/>
+              <a:t>Interface simples e direta.</a:t>
+            </a:r>
+          </a:p>
+        </p:txBody>
+      </p:sp>
     </p:spTree>
     <p:extLst>
       <p:ext uri="{BB962C8B-B14F-4D97-AF65-F5344CB8AC3E}">
@@ -3571,14 +4282,72 @@
         </p:blipFill>
         <p:spPr>
           <a:xfrm>
-            <a:off x="2002128" y="1303020"/>
-            <a:ext cx="8296029" cy="5327015"/>
+            <a:off x="3906252" y="1187116"/>
+            <a:ext cx="8197515" cy="5670884"/>
           </a:xfrm>
           <a:prstGeom prst="rect">
             <a:avLst/>
           </a:prstGeom>
         </p:spPr>
       </p:pic>
+      <p:sp>
+        <p:nvSpPr>
+          <p:cNvPr id="3" name="Retângulo 2">
+            <a:extLst>
+              <a:ext uri="{FF2B5EF4-FFF2-40B4-BE49-F238E27FC236}">
+                <a16:creationId xmlns:a16="http://schemas.microsoft.com/office/drawing/2014/main" id="{F4988E2D-7F19-4F4F-878C-4564EDE991A5}"/>
+              </a:ext>
+            </a:extLst>
+          </p:cNvPr>
+          <p:cNvSpPr/>
+          <p:nvPr/>
+        </p:nvSpPr>
+        <p:spPr>
+          <a:xfrm>
+            <a:off x="88233" y="1491916"/>
+            <a:ext cx="3641556" cy="4832092"/>
+          </a:xfrm>
+          <a:prstGeom prst="rect">
+            <a:avLst/>
+          </a:prstGeom>
+        </p:spPr>
+        <p:txBody>
+          <a:bodyPr wrap="square">
+            <a:spAutoFit/>
+          </a:bodyPr>
+          <a:lstStyle/>
+          <a:p>
+            <a:r>
+              <a:rPr lang="pt-BR" sz="2800" dirty="0"/>
+              <a:t>Registro de funcionários no sistema.</a:t>
+            </a:r>
+          </a:p>
+          <a:p>
+            <a:r>
+              <a:rPr lang="pt-BR" sz="2800" dirty="0"/>
+              <a:t>Define funções e permissões.</a:t>
+            </a:r>
+          </a:p>
+          <a:p>
+            <a:r>
+              <a:rPr lang="pt-BR" sz="2800" dirty="0"/>
+              <a:t>Garante controle de acessos.</a:t>
+            </a:r>
+          </a:p>
+          <a:p>
+            <a:r>
+              <a:rPr lang="pt-BR" sz="2800" dirty="0"/>
+              <a:t>Organiza a equipe operacional.</a:t>
+            </a:r>
+          </a:p>
+          <a:p>
+            <a:r>
+              <a:rPr lang="pt-BR" sz="2800" dirty="0"/>
+              <a:t>Essencial para segurança do sistema.</a:t>
+            </a:r>
+          </a:p>
+        </p:txBody>
+      </p:sp>
     </p:spTree>
     <p:extLst>
       <p:ext uri="{BB962C8B-B14F-4D97-AF65-F5344CB8AC3E}">
@@ -3668,7 +4437,7 @@
         </p:blipFill>
         <p:spPr>
           <a:xfrm>
-            <a:off x="4371489" y="1576388"/>
+            <a:off x="6705615" y="1367841"/>
             <a:ext cx="3560931" cy="5310472"/>
           </a:xfrm>
           <a:prstGeom prst="rect">
@@ -3676,6 +4445,64 @@
           </a:prstGeom>
         </p:spPr>
       </p:pic>
+      <p:sp>
+        <p:nvSpPr>
+          <p:cNvPr id="3" name="Retângulo 2">
+            <a:extLst>
+              <a:ext uri="{FF2B5EF4-FFF2-40B4-BE49-F238E27FC236}">
+                <a16:creationId xmlns:a16="http://schemas.microsoft.com/office/drawing/2014/main" id="{F90947A6-3E3E-4465-A9B6-C1A40FBD43EE}"/>
+              </a:ext>
+            </a:extLst>
+          </p:cNvPr>
+          <p:cNvSpPr/>
+          <p:nvPr/>
+        </p:nvSpPr>
+        <p:spPr>
+          <a:xfrm>
+            <a:off x="625642" y="1808022"/>
+            <a:ext cx="5237747" cy="3539430"/>
+          </a:xfrm>
+          <a:prstGeom prst="rect">
+            <a:avLst/>
+          </a:prstGeom>
+        </p:spPr>
+        <p:txBody>
+          <a:bodyPr wrap="square">
+            <a:spAutoFit/>
+          </a:bodyPr>
+          <a:lstStyle/>
+          <a:p>
+            <a:r>
+              <a:rPr lang="pt-BR" sz="3200" dirty="0"/>
+              <a:t>Função para redefinir senhas esquecidas.</a:t>
+            </a:r>
+          </a:p>
+          <a:p>
+            <a:r>
+              <a:rPr lang="pt-BR" sz="3200" dirty="0"/>
+              <a:t>Garante acesso contínuo ao sistema.</a:t>
+            </a:r>
+          </a:p>
+          <a:p>
+            <a:r>
+              <a:rPr lang="pt-BR" sz="3200" dirty="0"/>
+              <a:t>Processo seguro e rápido.</a:t>
+            </a:r>
+          </a:p>
+          <a:p>
+            <a:r>
+              <a:rPr lang="pt-BR" sz="3200" dirty="0"/>
+              <a:t>Evita bloqueios de usuários.</a:t>
+            </a:r>
+          </a:p>
+          <a:p>
+            <a:r>
+              <a:rPr lang="pt-BR" sz="3200" dirty="0"/>
+              <a:t>Reforça a usabilidade.</a:t>
+            </a:r>
+          </a:p>
+        </p:txBody>
+      </p:sp>
     </p:spTree>
     <p:extLst>
       <p:ext uri="{BB962C8B-B14F-4D97-AF65-F5344CB8AC3E}">
@@ -3765,14 +4592,72 @@
         </p:blipFill>
         <p:spPr>
           <a:xfrm>
-            <a:off x="1245414" y="1419860"/>
-            <a:ext cx="8508539" cy="5327015"/>
+            <a:off x="4299284" y="1106906"/>
+            <a:ext cx="7836569" cy="5639970"/>
           </a:xfrm>
           <a:prstGeom prst="rect">
             <a:avLst/>
           </a:prstGeom>
         </p:spPr>
       </p:pic>
+      <p:sp>
+        <p:nvSpPr>
+          <p:cNvPr id="3" name="Retângulo 2">
+            <a:extLst>
+              <a:ext uri="{FF2B5EF4-FFF2-40B4-BE49-F238E27FC236}">
+                <a16:creationId xmlns:a16="http://schemas.microsoft.com/office/drawing/2014/main" id="{E6BCAC04-EF4D-42EE-9E0E-FD7056256D49}"/>
+              </a:ext>
+            </a:extLst>
+          </p:cNvPr>
+          <p:cNvSpPr/>
+          <p:nvPr/>
+        </p:nvSpPr>
+        <p:spPr>
+          <a:xfrm>
+            <a:off x="166806" y="1591451"/>
+            <a:ext cx="3972057" cy="5016758"/>
+          </a:xfrm>
+          <a:prstGeom prst="rect">
+            <a:avLst/>
+          </a:prstGeom>
+        </p:spPr>
+        <p:txBody>
+          <a:bodyPr wrap="square">
+            <a:spAutoFit/>
+          </a:bodyPr>
+          <a:lstStyle/>
+          <a:p>
+            <a:r>
+              <a:rPr lang="pt-BR" sz="3200" dirty="0"/>
+              <a:t>Painel completo para administradores.</a:t>
+            </a:r>
+          </a:p>
+          <a:p>
+            <a:r>
+              <a:rPr lang="pt-BR" sz="3200" dirty="0"/>
+              <a:t>Acesso a dados, usuários e veículos.</a:t>
+            </a:r>
+          </a:p>
+          <a:p>
+            <a:r>
+              <a:rPr lang="pt-BR" sz="3200" dirty="0"/>
+              <a:t>Permite decisões estratégicas.</a:t>
+            </a:r>
+          </a:p>
+          <a:p>
+            <a:r>
+              <a:rPr lang="pt-BR" sz="3200" dirty="0"/>
+              <a:t>Visualização de relatórios e métricas.</a:t>
+            </a:r>
+          </a:p>
+          <a:p>
+            <a:r>
+              <a:rPr lang="pt-BR" sz="3200" dirty="0"/>
+              <a:t>Controle total do sistema.</a:t>
+            </a:r>
+          </a:p>
+        </p:txBody>
+      </p:sp>
     </p:spTree>
     <p:extLst>
       <p:ext uri="{BB962C8B-B14F-4D97-AF65-F5344CB8AC3E}">
@@ -3875,14 +4760,72 @@
         </p:blipFill>
         <p:spPr>
           <a:xfrm>
-            <a:off x="2169189" y="1461800"/>
-            <a:ext cx="8133461" cy="5259963"/>
+            <a:off x="3997989" y="1309400"/>
+            <a:ext cx="8133461" cy="5484432"/>
           </a:xfrm>
           <a:prstGeom prst="rect">
             <a:avLst/>
           </a:prstGeom>
         </p:spPr>
       </p:pic>
+      <p:sp>
+        <p:nvSpPr>
+          <p:cNvPr id="3" name="Retângulo 2">
+            <a:extLst>
+              <a:ext uri="{FF2B5EF4-FFF2-40B4-BE49-F238E27FC236}">
+                <a16:creationId xmlns:a16="http://schemas.microsoft.com/office/drawing/2014/main" id="{ADB82B34-7D2F-4056-B560-29418C36F305}"/>
+              </a:ext>
+            </a:extLst>
+          </p:cNvPr>
+          <p:cNvSpPr/>
+          <p:nvPr/>
+        </p:nvSpPr>
+        <p:spPr>
+          <a:xfrm>
+            <a:off x="168442" y="1635570"/>
+            <a:ext cx="3521242" cy="4832092"/>
+          </a:xfrm>
+          <a:prstGeom prst="rect">
+            <a:avLst/>
+          </a:prstGeom>
+        </p:spPr>
+        <p:txBody>
+          <a:bodyPr wrap="square">
+            <a:spAutoFit/>
+          </a:bodyPr>
+          <a:lstStyle/>
+          <a:p>
+            <a:r>
+              <a:rPr lang="pt-BR" sz="2800" dirty="0"/>
+              <a:t>Interface voltada ao cliente final.</a:t>
+            </a:r>
+          </a:p>
+          <a:p>
+            <a:r>
+              <a:rPr lang="pt-BR" sz="2800" dirty="0"/>
+              <a:t>Permite visualizar dados e reservas.</a:t>
+            </a:r>
+          </a:p>
+          <a:p>
+            <a:r>
+              <a:rPr lang="pt-BR" sz="2800" dirty="0"/>
+              <a:t>Acesso às funcionalidades principais.</a:t>
+            </a:r>
+          </a:p>
+          <a:p>
+            <a:r>
+              <a:rPr lang="pt-BR" sz="2800" dirty="0"/>
+              <a:t>Design simples e funcional.</a:t>
+            </a:r>
+          </a:p>
+          <a:p>
+            <a:r>
+              <a:rPr lang="pt-BR" sz="2800" dirty="0"/>
+              <a:t>Facilita a experiência do usuário.</a:t>
+            </a:r>
+          </a:p>
+        </p:txBody>
+      </p:sp>
     </p:spTree>
     <p:extLst>
       <p:ext uri="{BB962C8B-B14F-4D97-AF65-F5344CB8AC3E}">
@@ -4128,7 +5071,7 @@
         </p:blipFill>
         <p:spPr>
           <a:xfrm>
-            <a:off x="1236133" y="1371600"/>
+            <a:off x="3031067" y="1371600"/>
             <a:ext cx="9160933" cy="5393267"/>
           </a:xfrm>
           <a:prstGeom prst="rect">
@@ -4136,6 +5079,64 @@
           </a:prstGeom>
         </p:spPr>
       </p:pic>
+      <p:sp>
+        <p:nvSpPr>
+          <p:cNvPr id="3" name="Retângulo 2">
+            <a:extLst>
+              <a:ext uri="{FF2B5EF4-FFF2-40B4-BE49-F238E27FC236}">
+                <a16:creationId xmlns:a16="http://schemas.microsoft.com/office/drawing/2014/main" id="{8D45D8E9-19AB-4167-BF01-217AC74F2A83}"/>
+              </a:ext>
+            </a:extLst>
+          </p:cNvPr>
+          <p:cNvSpPr/>
+          <p:nvPr/>
+        </p:nvSpPr>
+        <p:spPr>
+          <a:xfrm>
+            <a:off x="200526" y="2175407"/>
+            <a:ext cx="2526632" cy="3785652"/>
+          </a:xfrm>
+          <a:prstGeom prst="rect">
+            <a:avLst/>
+          </a:prstGeom>
+        </p:spPr>
+        <p:txBody>
+          <a:bodyPr wrap="square">
+            <a:spAutoFit/>
+          </a:bodyPr>
+          <a:lstStyle/>
+          <a:p>
+            <a:r>
+              <a:rPr lang="pt-BR" sz="2400" dirty="0"/>
+              <a:t>Tela inicial do app web.</a:t>
+            </a:r>
+          </a:p>
+          <a:p>
+            <a:r>
+              <a:rPr lang="pt-BR" sz="2400" dirty="0"/>
+              <a:t>Apresenta as principais opções.</a:t>
+            </a:r>
+          </a:p>
+          <a:p>
+            <a:r>
+              <a:rPr lang="pt-BR" sz="2400" dirty="0"/>
+              <a:t>Navegação rápida e intuitiva.</a:t>
+            </a:r>
+          </a:p>
+          <a:p>
+            <a:r>
+              <a:rPr lang="pt-BR" sz="2400" dirty="0"/>
+              <a:t>Interface moderna e responsiva.</a:t>
+            </a:r>
+          </a:p>
+          <a:p>
+            <a:r>
+              <a:rPr lang="pt-BR" sz="2400" dirty="0"/>
+              <a:t>Ponto de partida para o usuário.</a:t>
+            </a:r>
+          </a:p>
+        </p:txBody>
+      </p:sp>
     </p:spTree>
     <p:extLst>
       <p:ext uri="{BB962C8B-B14F-4D97-AF65-F5344CB8AC3E}">
@@ -4226,7 +5227,7 @@
         </p:blipFill>
         <p:spPr>
           <a:xfrm>
-            <a:off x="4850022" y="1825625"/>
+            <a:off x="5940885" y="2045118"/>
             <a:ext cx="2491955" cy="4351338"/>
           </a:xfrm>
           <a:prstGeom prst="rect">
@@ -4234,6 +5235,64 @@
           </a:prstGeom>
         </p:spPr>
       </p:pic>
+      <p:sp>
+        <p:nvSpPr>
+          <p:cNvPr id="3" name="Retângulo 2">
+            <a:extLst>
+              <a:ext uri="{FF2B5EF4-FFF2-40B4-BE49-F238E27FC236}">
+                <a16:creationId xmlns:a16="http://schemas.microsoft.com/office/drawing/2014/main" id="{82CF0F26-59D0-417A-8D1C-A935CD02CC68}"/>
+              </a:ext>
+            </a:extLst>
+          </p:cNvPr>
+          <p:cNvSpPr/>
+          <p:nvPr/>
+        </p:nvSpPr>
+        <p:spPr>
+          <a:xfrm>
+            <a:off x="2368926" y="2045118"/>
+            <a:ext cx="3048000" cy="4401205"/>
+          </a:xfrm>
+          <a:prstGeom prst="rect">
+            <a:avLst/>
+          </a:prstGeom>
+        </p:spPr>
+        <p:txBody>
+          <a:bodyPr wrap="square">
+            <a:spAutoFit/>
+          </a:bodyPr>
+          <a:lstStyle/>
+          <a:p>
+            <a:r>
+              <a:rPr lang="pt-BR" sz="2800" dirty="0"/>
+              <a:t>Define o estilo visual do sistema.</a:t>
+            </a:r>
+          </a:p>
+          <a:p>
+            <a:r>
+              <a:rPr lang="pt-BR" sz="2800" dirty="0"/>
+              <a:t>Controla cores, fontes e layout.</a:t>
+            </a:r>
+          </a:p>
+          <a:p>
+            <a:r>
+              <a:rPr lang="pt-BR" sz="2800" dirty="0"/>
+              <a:t>Garante uma boa experiência visual.</a:t>
+            </a:r>
+          </a:p>
+          <a:p>
+            <a:r>
+              <a:rPr lang="pt-BR" sz="2800" dirty="0"/>
+              <a:t>Responsável pela aparência do app.</a:t>
+            </a:r>
+          </a:p>
+          <a:p>
+            <a:r>
+              <a:rPr lang="pt-BR" sz="2800" dirty="0"/>
+              <a:t>Facilita a identidade visual.</a:t>
+            </a:r>
+          </a:p>
+        </p:txBody>
+      </p:sp>
     </p:spTree>
     <p:extLst>
       <p:ext uri="{BB962C8B-B14F-4D97-AF65-F5344CB8AC3E}">
@@ -4323,14 +5382,72 @@
         </p:blipFill>
         <p:spPr>
           <a:xfrm>
-            <a:off x="838201" y="1143000"/>
-            <a:ext cx="9913850" cy="5579533"/>
+            <a:off x="4178967" y="1143000"/>
+            <a:ext cx="8013033" cy="5715000"/>
           </a:xfrm>
           <a:prstGeom prst="rect">
             <a:avLst/>
           </a:prstGeom>
         </p:spPr>
       </p:pic>
+      <p:sp>
+        <p:nvSpPr>
+          <p:cNvPr id="3" name="Retângulo 2">
+            <a:extLst>
+              <a:ext uri="{FF2B5EF4-FFF2-40B4-BE49-F238E27FC236}">
+                <a16:creationId xmlns:a16="http://schemas.microsoft.com/office/drawing/2014/main" id="{A801D27F-C50A-47EA-A1C8-215B5A33C54F}"/>
+              </a:ext>
+            </a:extLst>
+          </p:cNvPr>
+          <p:cNvSpPr/>
+          <p:nvPr/>
+        </p:nvSpPr>
+        <p:spPr>
+          <a:xfrm>
+            <a:off x="56147" y="1912293"/>
+            <a:ext cx="3994486" cy="3970318"/>
+          </a:xfrm>
+          <a:prstGeom prst="rect">
+            <a:avLst/>
+          </a:prstGeom>
+        </p:spPr>
+        <p:txBody>
+          <a:bodyPr wrap="square">
+            <a:spAutoFit/>
+          </a:bodyPr>
+          <a:lstStyle/>
+          <a:p>
+            <a:r>
+              <a:rPr lang="pt-BR" sz="2800" dirty="0"/>
+              <a:t>Formulário para adicionar funcionários.</a:t>
+            </a:r>
+          </a:p>
+          <a:p>
+            <a:r>
+              <a:rPr lang="pt-BR" sz="2800" dirty="0"/>
+              <a:t>Define funções e permissões de acesso.</a:t>
+            </a:r>
+          </a:p>
+          <a:p>
+            <a:r>
+              <a:rPr lang="pt-BR" sz="2800" dirty="0"/>
+              <a:t>Organiza a equipe de operação.</a:t>
+            </a:r>
+          </a:p>
+          <a:p>
+            <a:r>
+              <a:rPr lang="pt-BR" sz="2800" dirty="0"/>
+              <a:t>Interface clara e objetiva.</a:t>
+            </a:r>
+          </a:p>
+          <a:p>
+            <a:r>
+              <a:rPr lang="pt-BR" sz="2800" dirty="0"/>
+              <a:t>Parte da gestão de usuários.</a:t>
+            </a:r>
+          </a:p>
+        </p:txBody>
+      </p:sp>
     </p:spTree>
     <p:extLst>
       <p:ext uri="{BB962C8B-B14F-4D97-AF65-F5344CB8AC3E}">
@@ -4420,14 +5537,72 @@
         </p:blipFill>
         <p:spPr>
           <a:xfrm>
-            <a:off x="838201" y="1109663"/>
-            <a:ext cx="10414054" cy="5680075"/>
+            <a:off x="3304674" y="1110192"/>
+            <a:ext cx="8887326" cy="5747808"/>
           </a:xfrm>
           <a:prstGeom prst="rect">
             <a:avLst/>
           </a:prstGeom>
         </p:spPr>
       </p:pic>
+      <p:sp>
+        <p:nvSpPr>
+          <p:cNvPr id="3" name="Retângulo 2">
+            <a:extLst>
+              <a:ext uri="{FF2B5EF4-FFF2-40B4-BE49-F238E27FC236}">
+                <a16:creationId xmlns:a16="http://schemas.microsoft.com/office/drawing/2014/main" id="{53D7C0EB-88B6-4B18-9504-B48285751E82}"/>
+              </a:ext>
+            </a:extLst>
+          </p:cNvPr>
+          <p:cNvSpPr/>
+          <p:nvPr/>
+        </p:nvSpPr>
+        <p:spPr>
+          <a:xfrm>
+            <a:off x="56147" y="2128862"/>
+            <a:ext cx="3120190" cy="3785652"/>
+          </a:xfrm>
+          <a:prstGeom prst="rect">
+            <a:avLst/>
+          </a:prstGeom>
+        </p:spPr>
+        <p:txBody>
+          <a:bodyPr wrap="square">
+            <a:spAutoFit/>
+          </a:bodyPr>
+          <a:lstStyle/>
+          <a:p>
+            <a:r>
+              <a:rPr lang="pt-BR" sz="2400" dirty="0"/>
+              <a:t>Registro de novos usuários no sistema.</a:t>
+            </a:r>
+          </a:p>
+          <a:p>
+            <a:r>
+              <a:rPr lang="pt-BR" sz="2400" dirty="0"/>
+              <a:t>Coleta dados para uso do serviço.</a:t>
+            </a:r>
+          </a:p>
+          <a:p>
+            <a:r>
+              <a:rPr lang="pt-BR" sz="2400" dirty="0"/>
+              <a:t>Interface simples e acessível.</a:t>
+            </a:r>
+          </a:p>
+          <a:p>
+            <a:r>
+              <a:rPr lang="pt-BR" sz="2400" dirty="0"/>
+              <a:t>Facilita o início da experiência.</a:t>
+            </a:r>
+          </a:p>
+          <a:p>
+            <a:r>
+              <a:rPr lang="pt-BR" sz="2400" dirty="0"/>
+              <a:t>Etapa essencial para clientes.</a:t>
+            </a:r>
+          </a:p>
+        </p:txBody>
+      </p:sp>
     </p:spTree>
     <p:extLst>
       <p:ext uri="{BB962C8B-B14F-4D97-AF65-F5344CB8AC3E}">
@@ -4520,14 +5695,72 @@
         </p:blipFill>
         <p:spPr>
           <a:xfrm>
-            <a:off x="1947332" y="1350085"/>
-            <a:ext cx="8005373" cy="5334265"/>
+            <a:off x="3589865" y="1350085"/>
+            <a:ext cx="7865533" cy="5334265"/>
           </a:xfrm>
           <a:prstGeom prst="rect">
             <a:avLst/>
           </a:prstGeom>
         </p:spPr>
       </p:pic>
+      <p:sp>
+        <p:nvSpPr>
+          <p:cNvPr id="3" name="Retângulo 2">
+            <a:extLst>
+              <a:ext uri="{FF2B5EF4-FFF2-40B4-BE49-F238E27FC236}">
+                <a16:creationId xmlns:a16="http://schemas.microsoft.com/office/drawing/2014/main" id="{6B25D86A-654A-42AA-AD92-054F20C381CF}"/>
+              </a:ext>
+            </a:extLst>
+          </p:cNvPr>
+          <p:cNvSpPr/>
+          <p:nvPr/>
+        </p:nvSpPr>
+        <p:spPr>
+          <a:xfrm>
+            <a:off x="143934" y="1598136"/>
+            <a:ext cx="3344332" cy="4154984"/>
+          </a:xfrm>
+          <a:prstGeom prst="rect">
+            <a:avLst/>
+          </a:prstGeom>
+        </p:spPr>
+        <p:txBody>
+          <a:bodyPr wrap="square">
+            <a:spAutoFit/>
+          </a:bodyPr>
+          <a:lstStyle/>
+          <a:p>
+            <a:r>
+              <a:rPr lang="pt-BR" sz="2400" dirty="0"/>
+              <a:t>Nome do projeto que propõe transporte alternativo.</a:t>
+            </a:r>
+          </a:p>
+          <a:p>
+            <a:r>
+              <a:rPr lang="pt-BR" sz="2400" dirty="0"/>
+              <a:t>Solução leve, ecológica e eficiente.</a:t>
+            </a:r>
+          </a:p>
+          <a:p>
+            <a:r>
+              <a:rPr lang="pt-BR" sz="2400" dirty="0"/>
+              <a:t>Ideal para trajetos urbanos curtos.</a:t>
+            </a:r>
+          </a:p>
+          <a:p>
+            <a:r>
+              <a:rPr lang="pt-BR" sz="2400" dirty="0"/>
+              <a:t>Reduz trânsito e emissão de poluentes.</a:t>
+            </a:r>
+          </a:p>
+          <a:p>
+            <a:r>
+              <a:rPr lang="pt-BR" sz="2400" dirty="0"/>
+              <a:t>Alinha-se às tendências de mobilidade verde.</a:t>
+            </a:r>
+          </a:p>
+        </p:txBody>
+      </p:sp>
     </p:spTree>
     <p:extLst>
       <p:ext uri="{BB962C8B-B14F-4D97-AF65-F5344CB8AC3E}">
@@ -4617,14 +5850,72 @@
         </p:blipFill>
         <p:spPr>
           <a:xfrm>
-            <a:off x="838200" y="1193799"/>
-            <a:ext cx="10515600" cy="5579533"/>
+            <a:off x="3553326" y="1193800"/>
+            <a:ext cx="8638674" cy="5664200"/>
           </a:xfrm>
           <a:prstGeom prst="rect">
             <a:avLst/>
           </a:prstGeom>
         </p:spPr>
       </p:pic>
+      <p:sp>
+        <p:nvSpPr>
+          <p:cNvPr id="3" name="Retângulo 2">
+            <a:extLst>
+              <a:ext uri="{FF2B5EF4-FFF2-40B4-BE49-F238E27FC236}">
+                <a16:creationId xmlns:a16="http://schemas.microsoft.com/office/drawing/2014/main" id="{B53F329B-D91F-47EB-B2AB-D8568EA0D217}"/>
+              </a:ext>
+            </a:extLst>
+          </p:cNvPr>
+          <p:cNvSpPr/>
+          <p:nvPr/>
+        </p:nvSpPr>
+        <p:spPr>
+          <a:xfrm>
+            <a:off x="80211" y="1455093"/>
+            <a:ext cx="3400925" cy="4832092"/>
+          </a:xfrm>
+          <a:prstGeom prst="rect">
+            <a:avLst/>
+          </a:prstGeom>
+        </p:spPr>
+        <p:txBody>
+          <a:bodyPr wrap="square">
+            <a:spAutoFit/>
+          </a:bodyPr>
+          <a:lstStyle/>
+          <a:p>
+            <a:r>
+              <a:rPr lang="pt-BR" sz="2800" dirty="0"/>
+              <a:t>Exibe opções de pagamento disponíveis.</a:t>
+            </a:r>
+          </a:p>
+          <a:p>
+            <a:r>
+              <a:rPr lang="pt-BR" sz="2800" dirty="0"/>
+              <a:t>Oferece flexibilidade ao usuário.</a:t>
+            </a:r>
+          </a:p>
+          <a:p>
+            <a:r>
+              <a:rPr lang="pt-BR" sz="2800" dirty="0"/>
+              <a:t>Suporte a diferentes métodos.</a:t>
+            </a:r>
+          </a:p>
+          <a:p>
+            <a:r>
+              <a:rPr lang="pt-BR" sz="2800" dirty="0"/>
+              <a:t>Facilita a finalização do serviço.</a:t>
+            </a:r>
+          </a:p>
+          <a:p>
+            <a:r>
+              <a:rPr lang="pt-BR" sz="2800" dirty="0"/>
+              <a:t>Parte importante da experiência.</a:t>
+            </a:r>
+          </a:p>
+        </p:txBody>
+      </p:sp>
     </p:spTree>
     <p:extLst>
       <p:ext uri="{BB962C8B-B14F-4D97-AF65-F5344CB8AC3E}">
@@ -4710,14 +6001,72 @@
         </p:blipFill>
         <p:spPr>
           <a:xfrm>
-            <a:off x="1962150" y="1825625"/>
-            <a:ext cx="7905750" cy="4351338"/>
+            <a:off x="4286250" y="1593014"/>
+            <a:ext cx="7905750" cy="5264986"/>
           </a:xfrm>
           <a:prstGeom prst="rect">
             <a:avLst/>
           </a:prstGeom>
         </p:spPr>
       </p:pic>
+      <p:sp>
+        <p:nvSpPr>
+          <p:cNvPr id="3" name="Retângulo 2">
+            <a:extLst>
+              <a:ext uri="{FF2B5EF4-FFF2-40B4-BE49-F238E27FC236}">
+                <a16:creationId xmlns:a16="http://schemas.microsoft.com/office/drawing/2014/main" id="{6E963983-F616-48FB-8F83-05176CB57278}"/>
+              </a:ext>
+            </a:extLst>
+          </p:cNvPr>
+          <p:cNvSpPr/>
+          <p:nvPr/>
+        </p:nvSpPr>
+        <p:spPr>
+          <a:xfrm>
+            <a:off x="144379" y="2054357"/>
+            <a:ext cx="3986463" cy="4401205"/>
+          </a:xfrm>
+          <a:prstGeom prst="rect">
+            <a:avLst/>
+          </a:prstGeom>
+        </p:spPr>
+        <p:txBody>
+          <a:bodyPr wrap="square">
+            <a:spAutoFit/>
+          </a:bodyPr>
+          <a:lstStyle/>
+          <a:p>
+            <a:r>
+              <a:rPr lang="pt-BR" sz="2800" dirty="0"/>
+              <a:t>Responsável pela lógica do sistema.</a:t>
+            </a:r>
+          </a:p>
+          <a:p>
+            <a:r>
+              <a:rPr lang="pt-BR" sz="2800" dirty="0"/>
+              <a:t>Torna o app interativo e funcional.</a:t>
+            </a:r>
+          </a:p>
+          <a:p>
+            <a:r>
+              <a:rPr lang="pt-BR" sz="2800" dirty="0"/>
+              <a:t>Controla ações e respostas do usuário.</a:t>
+            </a:r>
+          </a:p>
+          <a:p>
+            <a:r>
+              <a:rPr lang="pt-BR" sz="2800" dirty="0"/>
+              <a:t>Essencial para a dinâmica da interface.</a:t>
+            </a:r>
+          </a:p>
+          <a:p>
+            <a:r>
+              <a:rPr lang="pt-BR" sz="2800" dirty="0"/>
+              <a:t>Complementa o CSS e HTML.</a:t>
+            </a:r>
+          </a:p>
+        </p:txBody>
+      </p:sp>
     </p:spTree>
     <p:extLst>
       <p:ext uri="{BB962C8B-B14F-4D97-AF65-F5344CB8AC3E}">
@@ -4807,14 +6156,80 @@
         </p:blipFill>
         <p:spPr>
           <a:xfrm>
-            <a:off x="516468" y="1270000"/>
-            <a:ext cx="11065932" cy="5511799"/>
+            <a:off x="3681662" y="1270000"/>
+            <a:ext cx="8510337" cy="5588000"/>
           </a:xfrm>
           <a:prstGeom prst="rect">
             <a:avLst/>
           </a:prstGeom>
         </p:spPr>
       </p:pic>
+      <p:sp>
+        <p:nvSpPr>
+          <p:cNvPr id="3" name="Retângulo 2">
+            <a:extLst>
+              <a:ext uri="{FF2B5EF4-FFF2-40B4-BE49-F238E27FC236}">
+                <a16:creationId xmlns:a16="http://schemas.microsoft.com/office/drawing/2014/main" id="{79258280-EE47-4FB8-A869-51FDE098101B}"/>
+              </a:ext>
+            </a:extLst>
+          </p:cNvPr>
+          <p:cNvSpPr/>
+          <p:nvPr/>
+        </p:nvSpPr>
+        <p:spPr>
+          <a:xfrm>
+            <a:off x="88232" y="1583430"/>
+            <a:ext cx="3521242" cy="4832092"/>
+          </a:xfrm>
+          <a:prstGeom prst="rect">
+            <a:avLst/>
+          </a:prstGeom>
+        </p:spPr>
+        <p:txBody>
+          <a:bodyPr wrap="square">
+            <a:spAutoFit/>
+          </a:bodyPr>
+          <a:lstStyle/>
+          <a:p>
+            <a:r>
+              <a:rPr lang="pt-BR" sz="2800" dirty="0"/>
+              <a:t>Escolha entre </a:t>
+            </a:r>
+            <a:r>
+              <a:rPr lang="pt-BR" sz="2800" dirty="0" err="1"/>
+              <a:t>tuc-tuc</a:t>
+            </a:r>
+            <a:r>
+              <a:rPr lang="pt-BR" sz="2800" dirty="0"/>
+              <a:t> ou bicicleta.</a:t>
+            </a:r>
+          </a:p>
+          <a:p>
+            <a:r>
+              <a:rPr lang="pt-BR" sz="2800" dirty="0"/>
+              <a:t>Interface simples para reservar transporte.</a:t>
+            </a:r>
+          </a:p>
+          <a:p>
+            <a:r>
+              <a:rPr lang="pt-BR" sz="2800" dirty="0"/>
+              <a:t>Permite comparar opções disponíveis.</a:t>
+            </a:r>
+          </a:p>
+          <a:p>
+            <a:r>
+              <a:rPr lang="pt-BR" sz="2800" dirty="0"/>
+              <a:t>Agilidade na tomada de decisão.</a:t>
+            </a:r>
+          </a:p>
+          <a:p>
+            <a:r>
+              <a:rPr lang="pt-BR" sz="2800" dirty="0"/>
+              <a:t>Parte central da experiência do usuário.</a:t>
+            </a:r>
+          </a:p>
+        </p:txBody>
+      </p:sp>
     </p:spTree>
     <p:extLst>
       <p:ext uri="{BB962C8B-B14F-4D97-AF65-F5344CB8AC3E}">
@@ -4904,14 +6319,72 @@
         </p:blipFill>
         <p:spPr>
           <a:xfrm>
-            <a:off x="474133" y="1024467"/>
-            <a:ext cx="10794999" cy="5740400"/>
+            <a:off x="4170947" y="1024467"/>
+            <a:ext cx="8021053" cy="5833532"/>
           </a:xfrm>
           <a:prstGeom prst="rect">
             <a:avLst/>
           </a:prstGeom>
         </p:spPr>
       </p:pic>
+      <p:sp>
+        <p:nvSpPr>
+          <p:cNvPr id="3" name="Retângulo 2">
+            <a:extLst>
+              <a:ext uri="{FF2B5EF4-FFF2-40B4-BE49-F238E27FC236}">
+                <a16:creationId xmlns:a16="http://schemas.microsoft.com/office/drawing/2014/main" id="{2F946CC0-F09B-487B-AC60-24B9ACBF6383}"/>
+              </a:ext>
+            </a:extLst>
+          </p:cNvPr>
+          <p:cNvSpPr/>
+          <p:nvPr/>
+        </p:nvSpPr>
+        <p:spPr>
+          <a:xfrm>
+            <a:off x="0" y="2168967"/>
+            <a:ext cx="4098758" cy="3970318"/>
+          </a:xfrm>
+          <a:prstGeom prst="rect">
+            <a:avLst/>
+          </a:prstGeom>
+        </p:spPr>
+        <p:txBody>
+          <a:bodyPr wrap="square">
+            <a:spAutoFit/>
+          </a:bodyPr>
+          <a:lstStyle/>
+          <a:p>
+            <a:r>
+              <a:rPr lang="pt-BR" sz="2800" dirty="0"/>
+              <a:t>Registro de novos veículos na frota.</a:t>
+            </a:r>
+          </a:p>
+          <a:p>
+            <a:r>
+              <a:rPr lang="pt-BR" sz="2800" dirty="0"/>
+              <a:t>Inclui dados como modelo e status.</a:t>
+            </a:r>
+          </a:p>
+          <a:p>
+            <a:r>
+              <a:rPr lang="pt-BR" sz="2800" dirty="0"/>
+              <a:t>Garante controle e organização.</a:t>
+            </a:r>
+          </a:p>
+          <a:p>
+            <a:r>
+              <a:rPr lang="pt-BR" sz="2800" dirty="0"/>
+              <a:t>Essencial para a gestão da operação.</a:t>
+            </a:r>
+          </a:p>
+          <a:p>
+            <a:r>
+              <a:rPr lang="pt-BR" sz="2800" dirty="0"/>
+              <a:t>Mantém a frota atualizada.</a:t>
+            </a:r>
+          </a:p>
+        </p:txBody>
+      </p:sp>
     </p:spTree>
     <p:extLst>
       <p:ext uri="{BB962C8B-B14F-4D97-AF65-F5344CB8AC3E}">
@@ -5468,14 +6941,72 @@
         </p:blipFill>
         <p:spPr>
           <a:xfrm>
-            <a:off x="1936435" y="1622108"/>
-            <a:ext cx="8635531" cy="4939347"/>
+            <a:off x="4390026" y="1622108"/>
+            <a:ext cx="7155607" cy="4939347"/>
           </a:xfrm>
           <a:prstGeom prst="rect">
             <a:avLst/>
           </a:prstGeom>
         </p:spPr>
       </p:pic>
+      <p:sp>
+        <p:nvSpPr>
+          <p:cNvPr id="5" name="Retângulo 4">
+            <a:extLst>
+              <a:ext uri="{FF2B5EF4-FFF2-40B4-BE49-F238E27FC236}">
+                <a16:creationId xmlns:a16="http://schemas.microsoft.com/office/drawing/2014/main" id="{20BCE2CC-F87F-4269-A0C6-6F9CA5D4FED1}"/>
+              </a:ext>
+            </a:extLst>
+          </p:cNvPr>
+          <p:cNvSpPr/>
+          <p:nvPr/>
+        </p:nvSpPr>
+        <p:spPr>
+          <a:xfrm>
+            <a:off x="101600" y="1622108"/>
+            <a:ext cx="3314759" cy="4401205"/>
+          </a:xfrm>
+          <a:prstGeom prst="rect">
+            <a:avLst/>
+          </a:prstGeom>
+        </p:spPr>
+        <p:txBody>
+          <a:bodyPr wrap="square">
+            <a:spAutoFit/>
+          </a:bodyPr>
+          <a:lstStyle/>
+          <a:p>
+            <a:r>
+              <a:rPr lang="pt-BR" sz="2800" dirty="0"/>
+              <a:t>Tela inicial do sistema desktop.</a:t>
+            </a:r>
+          </a:p>
+          <a:p>
+            <a:r>
+              <a:rPr lang="pt-BR" sz="2800" dirty="0"/>
+              <a:t>Acesso rápido às funções principais.</a:t>
+            </a:r>
+          </a:p>
+          <a:p>
+            <a:r>
+              <a:rPr lang="pt-BR" sz="2800" dirty="0"/>
+              <a:t>Interface clara e organizada.</a:t>
+            </a:r>
+          </a:p>
+          <a:p>
+            <a:r>
+              <a:rPr lang="pt-BR" sz="2800" dirty="0"/>
+              <a:t>Facilita o uso por operadores.</a:t>
+            </a:r>
+          </a:p>
+          <a:p>
+            <a:r>
+              <a:rPr lang="pt-BR" sz="2800" dirty="0"/>
+              <a:t>Base para navegação no sistema.</a:t>
+            </a:r>
+          </a:p>
+        </p:txBody>
+      </p:sp>
     </p:spTree>
     <p:extLst>
       <p:ext uri="{BB962C8B-B14F-4D97-AF65-F5344CB8AC3E}">
@@ -5565,7 +7096,7 @@
         </p:blipFill>
         <p:spPr>
           <a:xfrm>
-            <a:off x="2212664" y="1526863"/>
+            <a:off x="3889064" y="1399863"/>
             <a:ext cx="7766671" cy="5190591"/>
           </a:xfrm>
           <a:prstGeom prst="rect">
@@ -5573,6 +7104,64 @@
           </a:prstGeom>
         </p:spPr>
       </p:pic>
+      <p:sp>
+        <p:nvSpPr>
+          <p:cNvPr id="3" name="Retângulo 2">
+            <a:extLst>
+              <a:ext uri="{FF2B5EF4-FFF2-40B4-BE49-F238E27FC236}">
+                <a16:creationId xmlns:a16="http://schemas.microsoft.com/office/drawing/2014/main" id="{EAD1133E-CC76-4C7C-A621-532783D422A0}"/>
+              </a:ext>
+            </a:extLst>
+          </p:cNvPr>
+          <p:cNvSpPr/>
+          <p:nvPr/>
+        </p:nvSpPr>
+        <p:spPr>
+          <a:xfrm>
+            <a:off x="330200" y="1399863"/>
+            <a:ext cx="3488267" cy="4401205"/>
+          </a:xfrm>
+          <a:prstGeom prst="rect">
+            <a:avLst/>
+          </a:prstGeom>
+        </p:spPr>
+        <p:txBody>
+          <a:bodyPr wrap="square">
+            <a:spAutoFit/>
+          </a:bodyPr>
+          <a:lstStyle/>
+          <a:p>
+            <a:r>
+              <a:rPr lang="pt-BR" sz="2800" dirty="0"/>
+              <a:t>Entrada segura no sistema.</a:t>
+            </a:r>
+          </a:p>
+          <a:p>
+            <a:r>
+              <a:rPr lang="pt-BR" sz="2800" dirty="0"/>
+              <a:t>Protege dados e acessos.</a:t>
+            </a:r>
+          </a:p>
+          <a:p>
+            <a:r>
+              <a:rPr lang="pt-BR" sz="2800" dirty="0"/>
+              <a:t>Exige usuário e senha válidos.</a:t>
+            </a:r>
+          </a:p>
+          <a:p>
+            <a:r>
+              <a:rPr lang="pt-BR" sz="2800" dirty="0"/>
+              <a:t>Primeira etapa para uso do sistema.</a:t>
+            </a:r>
+          </a:p>
+          <a:p>
+            <a:r>
+              <a:rPr lang="pt-BR" sz="2800" dirty="0"/>
+              <a:t>Interface simples e objetiva.</a:t>
+            </a:r>
+          </a:p>
+        </p:txBody>
+      </p:sp>
     </p:spTree>
     <p:extLst>
       <p:ext uri="{BB962C8B-B14F-4D97-AF65-F5344CB8AC3E}">
@@ -5627,7 +7216,7 @@
         </p:blipFill>
         <p:spPr>
           <a:xfrm>
-            <a:off x="2268056" y="1690688"/>
+            <a:off x="3927522" y="1436688"/>
             <a:ext cx="7655888" cy="5167312"/>
           </a:xfrm>
           <a:prstGeom prst="rect">
@@ -5666,6 +7255,64 @@
             <a:r>
               <a:rPr lang="pt-BR" sz="8000" dirty="0"/>
               <a:t>Tela de cadastro do cliente</a:t>
+            </a:r>
+          </a:p>
+        </p:txBody>
+      </p:sp>
+      <p:sp>
+        <p:nvSpPr>
+          <p:cNvPr id="2" name="Retângulo 1">
+            <a:extLst>
+              <a:ext uri="{FF2B5EF4-FFF2-40B4-BE49-F238E27FC236}">
+                <a16:creationId xmlns:a16="http://schemas.microsoft.com/office/drawing/2014/main" id="{FC504998-9868-436B-8F2D-7F2939C43086}"/>
+              </a:ext>
+            </a:extLst>
+          </p:cNvPr>
+          <p:cNvSpPr/>
+          <p:nvPr/>
+        </p:nvSpPr>
+        <p:spPr>
+          <a:xfrm>
+            <a:off x="59267" y="1690688"/>
+            <a:ext cx="3868255" cy="5016758"/>
+          </a:xfrm>
+          <a:prstGeom prst="rect">
+            <a:avLst/>
+          </a:prstGeom>
+        </p:spPr>
+        <p:txBody>
+          <a:bodyPr wrap="square">
+            <a:spAutoFit/>
+          </a:bodyPr>
+          <a:lstStyle/>
+          <a:p>
+            <a:r>
+              <a:rPr lang="pt-BR" sz="3200" dirty="0"/>
+              <a:t>Formulário para novos usuários.</a:t>
+            </a:r>
+          </a:p>
+          <a:p>
+            <a:r>
+              <a:rPr lang="pt-BR" sz="3200" dirty="0"/>
+              <a:t>Coleta dados essenciais para uso.</a:t>
+            </a:r>
+          </a:p>
+          <a:p>
+            <a:r>
+              <a:rPr lang="pt-BR" sz="3200" dirty="0"/>
+              <a:t>Interface amigável e intuitiva.</a:t>
+            </a:r>
+          </a:p>
+          <a:p>
+            <a:r>
+              <a:rPr lang="pt-BR" sz="3200" dirty="0"/>
+              <a:t>Facilita o acesso ao serviço.</a:t>
+            </a:r>
+          </a:p>
+          <a:p>
+            <a:r>
+              <a:rPr lang="pt-BR" sz="3200" dirty="0"/>
+              <a:t>Etapa obrigatória para clientes.</a:t>
             </a:r>
           </a:p>
         </p:txBody>
@@ -5724,14 +7371,74 @@
         </p:blipFill>
         <p:spPr>
           <a:xfrm>
-            <a:off x="1365718" y="62114"/>
-            <a:ext cx="9460563" cy="6733771"/>
+            <a:off x="3850104" y="62114"/>
+            <a:ext cx="8341895" cy="6733771"/>
           </a:xfrm>
           <a:prstGeom prst="rect">
             <a:avLst/>
           </a:prstGeom>
         </p:spPr>
       </p:pic>
+      <p:sp>
+        <p:nvSpPr>
+          <p:cNvPr id="3" name="Retângulo 2">
+            <a:extLst>
+              <a:ext uri="{FF2B5EF4-FFF2-40B4-BE49-F238E27FC236}">
+                <a16:creationId xmlns:a16="http://schemas.microsoft.com/office/drawing/2014/main" id="{B13BD4D1-0206-4246-8BFF-FD41C297D5F9}"/>
+              </a:ext>
+            </a:extLst>
+          </p:cNvPr>
+          <p:cNvSpPr/>
+          <p:nvPr/>
+        </p:nvSpPr>
+        <p:spPr>
+          <a:xfrm>
+            <a:off x="128337" y="594700"/>
+            <a:ext cx="3601452" cy="6124754"/>
+          </a:xfrm>
+          <a:prstGeom prst="rect">
+            <a:avLst/>
+          </a:prstGeom>
+        </p:spPr>
+        <p:txBody>
+          <a:bodyPr wrap="square">
+            <a:spAutoFit/>
+          </a:bodyPr>
+          <a:lstStyle/>
+          <a:p>
+            <a:r>
+              <a:rPr lang="pt-BR" sz="2800" dirty="0"/>
+              <a:t>Este código Java atualiza os dados de um cliente no banco.</a:t>
+            </a:r>
+          </a:p>
+          <a:p>
+            <a:r>
+              <a:rPr lang="pt-BR" sz="2800" dirty="0"/>
+              <a:t>Utiliza </a:t>
+            </a:r>
+            <a:r>
+              <a:rPr lang="pt-BR" sz="2800" dirty="0" err="1"/>
+              <a:t>PreparedStatement</a:t>
+            </a:r>
+            <a:r>
+              <a:rPr lang="pt-BR" sz="2800" dirty="0"/>
+              <a:t> para montar a query SQL com segurança.</a:t>
+            </a:r>
+          </a:p>
+          <a:p>
+            <a:r>
+              <a:rPr lang="pt-BR" sz="2800" dirty="0"/>
+              <a:t>Verifica se os campos estão preenchidos antes de atualizar.</a:t>
+            </a:r>
+          </a:p>
+          <a:p>
+            <a:r>
+              <a:rPr lang="pt-BR" sz="2800" dirty="0"/>
+              <a:t>Trata dados como nome, CPF, e-mail, data de nascimento e celular.</a:t>
+            </a:r>
+          </a:p>
+        </p:txBody>
+      </p:sp>
     </p:spTree>
     <p:extLst>
       <p:ext uri="{BB962C8B-B14F-4D97-AF65-F5344CB8AC3E}">
@@ -6041,6 +7748,12 @@
 </file>
 
 <file path=customXml/item1.xml><?xml version="1.0" encoding="utf-8"?>
+<p:properties xmlns:p="http://schemas.microsoft.com/office/2006/metadata/properties" xmlns:xsi="http://www.w3.org/2001/XMLSchema-instance" xmlns:pc="http://schemas.microsoft.com/office/infopath/2007/PartnerControls">
+  <documentManagement/>
+</p:properties>
+</file>
+
+<file path=customXml/item2.xml><?xml version="1.0" encoding="utf-8"?>
 <ct:contentTypeSchema xmlns:ct="http://schemas.microsoft.com/office/2006/metadata/contentType" xmlns:ma="http://schemas.microsoft.com/office/2006/metadata/properties/metaAttributes" ct:_="" ma:_="" ma:contentTypeName="Documento" ma:contentTypeID="0x010100D0A9AA1EF08A5E478031D498E4E9D7DD" ma:contentTypeVersion="9" ma:contentTypeDescription="Crie um novo documento." ma:contentTypeScope="" ma:versionID="39143b5b64d99f696d4469bcfd9185a5">
   <xsd:schema xmlns:xsd="http://www.w3.org/2001/XMLSchema" xmlns:xs="http://www.w3.org/2001/XMLSchema" xmlns:p="http://schemas.microsoft.com/office/2006/metadata/properties" xmlns:ns3="8fd7a463-7b6d-4428-9c81-5610aecf0dc2" targetNamespace="http://schemas.microsoft.com/office/2006/metadata/properties" ma:root="true" ma:fieldsID="1751c98d07f007330345ba4dd51faf17" ns3:_="">
     <xsd:import namespace="8fd7a463-7b6d-4428-9c81-5610aecf0dc2"/>
@@ -6216,12 +7929,6 @@
 </ct:contentTypeSchema>
 </file>
 
-<file path=customXml/item2.xml><?xml version="1.0" encoding="utf-8"?>
-<p:properties xmlns:p="http://schemas.microsoft.com/office/2006/metadata/properties" xmlns:xsi="http://www.w3.org/2001/XMLSchema-instance" xmlns:pc="http://schemas.microsoft.com/office/infopath/2007/PartnerControls">
-  <documentManagement/>
-</p:properties>
-</file>
-
 <file path=customXml/item3.xml><?xml version="1.0" encoding="utf-8"?>
 <?mso-contentType ?>
 <FormTemplates xmlns="http://schemas.microsoft.com/sharepoint/v3/contenttype/forms">
@@ -6232,6 +7939,22 @@
 </file>
 
 <file path=customXml/itemProps1.xml><?xml version="1.0" encoding="utf-8"?>
+<ds:datastoreItem xmlns:ds="http://schemas.openxmlformats.org/officeDocument/2006/customXml" ds:itemID="{8372B6DB-B2E2-4BE5-91EE-0D8A82A26D57}">
+  <ds:schemaRefs>
+    <ds:schemaRef ds:uri="http://schemas.microsoft.com/office/infopath/2007/PartnerControls"/>
+    <ds:schemaRef ds:uri="http://purl.org/dc/dcmitype/"/>
+    <ds:schemaRef ds:uri="http://schemas.microsoft.com/office/2006/documentManagement/types"/>
+    <ds:schemaRef ds:uri="http://schemas.microsoft.com/office/2006/metadata/properties"/>
+    <ds:schemaRef ds:uri="http://purl.org/dc/terms/"/>
+    <ds:schemaRef ds:uri="8fd7a463-7b6d-4428-9c81-5610aecf0dc2"/>
+    <ds:schemaRef ds:uri="http://schemas.openxmlformats.org/package/2006/metadata/core-properties"/>
+    <ds:schemaRef ds:uri="http://www.w3.org/XML/1998/namespace"/>
+    <ds:schemaRef ds:uri="http://purl.org/dc/elements/1.1/"/>
+  </ds:schemaRefs>
+</ds:datastoreItem>
+</file>
+
+<file path=customXml/itemProps2.xml><?xml version="1.0" encoding="utf-8"?>
 <ds:datastoreItem xmlns:ds="http://schemas.openxmlformats.org/officeDocument/2006/customXml" ds:itemID="{D3B4744A-E470-4909-B2F8-29A44722B71E}">
   <ds:schemaRefs>
     <ds:schemaRef ds:uri="http://schemas.microsoft.com/office/2006/metadata/contentType"/>
@@ -6249,22 +7972,6 @@
 </ds:datastoreItem>
 </file>
 
-<file path=customXml/itemProps2.xml><?xml version="1.0" encoding="utf-8"?>
-<ds:datastoreItem xmlns:ds="http://schemas.openxmlformats.org/officeDocument/2006/customXml" ds:itemID="{8372B6DB-B2E2-4BE5-91EE-0D8A82A26D57}">
-  <ds:schemaRefs>
-    <ds:schemaRef ds:uri="http://purl.org/dc/terms/"/>
-    <ds:schemaRef ds:uri="http://schemas.microsoft.com/office/infopath/2007/PartnerControls"/>
-    <ds:schemaRef ds:uri="http://schemas.microsoft.com/office/2006/documentManagement/types"/>
-    <ds:schemaRef ds:uri="http://www.w3.org/XML/1998/namespace"/>
-    <ds:schemaRef ds:uri="http://schemas.openxmlformats.org/package/2006/metadata/core-properties"/>
-    <ds:schemaRef ds:uri="8fd7a463-7b6d-4428-9c81-5610aecf0dc2"/>
-    <ds:schemaRef ds:uri="http://purl.org/dc/dcmitype/"/>
-    <ds:schemaRef ds:uri="http://schemas.microsoft.com/office/2006/metadata/properties"/>
-    <ds:schemaRef ds:uri="http://purl.org/dc/elements/1.1/"/>
-  </ds:schemaRefs>
-</ds:datastoreItem>
-</file>
-
 <file path=customXml/itemProps3.xml><?xml version="1.0" encoding="utf-8"?>
 <ds:datastoreItem xmlns:ds="http://schemas.openxmlformats.org/officeDocument/2006/customXml" ds:itemID="{66F028C7-E65F-4A6D-BBF0-ED4BCF3741EE}">
   <ds:schemaRefs>
